--- a/Componentes-teoricos/Slide móvil sesion 2 semana 1 .pptx
+++ b/Componentes-teoricos/Slide móvil sesion 2 semana 1 .pptx
@@ -2,84 +2,84 @@
 <file path=ppt/presentation.xml><?xml version="1.0" encoding="utf-8"?>
 <p:presentation xmlns:a="http://schemas.openxmlformats.org/drawingml/2006/main" xmlns:r="http://schemas.openxmlformats.org/officeDocument/2006/relationships" xmlns:mc="http://schemas.openxmlformats.org/markup-compatibility/2006" xmlns:mv="urn:schemas-microsoft-com:mac:vml" xmlns:p="http://schemas.openxmlformats.org/presentationml/2006/main" xmlns:c="http://schemas.openxmlformats.org/drawingml/2006/chart" xmlns:dgm="http://schemas.openxmlformats.org/drawingml/2006/diagram" xmlns:o="urn:schemas-microsoft-com:office:office" xmlns:v="urn:schemas-microsoft-com:vml" xmlns:pvml="urn:schemas-microsoft-com:office:powerpoint" xmlns:com="http://schemas.openxmlformats.org/drawingml/2006/compatibility" xmlns:p14="http://schemas.microsoft.com/office/powerpoint/2010/main" xmlns:p15="http://schemas.microsoft.com/office/powerpoint/2012/main" xmlns:ahyp="http://schemas.microsoft.com/office/drawing/2018/hyperlinkcolor" autoCompressPictures="0" embedTrueTypeFonts="1" strictFirstAndLastChars="0" saveSubsetFonts="1">
   <p:sldMasterIdLst>
-    <p:sldMasterId id="2147483648" r:id="rId4"/>
+    <p:sldMasterId id="2147483648" r:id="rId3"/>
   </p:sldMasterIdLst>
   <p:notesMasterIdLst>
-    <p:notesMasterId r:id="rId5"/>
+    <p:notesMasterId r:id="rId4"/>
   </p:notesMasterIdLst>
   <p:sldIdLst>
-    <p:sldId id="256" r:id="rId6"/>
-    <p:sldId id="257" r:id="rId7"/>
-    <p:sldId id="258" r:id="rId8"/>
-    <p:sldId id="259" r:id="rId9"/>
-    <p:sldId id="260" r:id="rId10"/>
-    <p:sldId id="261" r:id="rId11"/>
-    <p:sldId id="262" r:id="rId12"/>
-    <p:sldId id="263" r:id="rId13"/>
-    <p:sldId id="264" r:id="rId14"/>
-    <p:sldId id="265" r:id="rId15"/>
-    <p:sldId id="266" r:id="rId16"/>
-    <p:sldId id="267" r:id="rId17"/>
-    <p:sldId id="268" r:id="rId18"/>
-    <p:sldId id="269" r:id="rId19"/>
-    <p:sldId id="270" r:id="rId20"/>
-    <p:sldId id="271" r:id="rId21"/>
-    <p:sldId id="272" r:id="rId22"/>
-    <p:sldId id="273" r:id="rId23"/>
-    <p:sldId id="274" r:id="rId24"/>
-    <p:sldId id="275" r:id="rId25"/>
-    <p:sldId id="276" r:id="rId26"/>
-    <p:sldId id="277" r:id="rId27"/>
-    <p:sldId id="278" r:id="rId28"/>
-    <p:sldId id="279" r:id="rId29"/>
-    <p:sldId id="280" r:id="rId30"/>
-    <p:sldId id="281" r:id="rId31"/>
-    <p:sldId id="282" r:id="rId32"/>
-    <p:sldId id="283" r:id="rId33"/>
-    <p:sldId id="284" r:id="rId34"/>
-    <p:sldId id="285" r:id="rId35"/>
-    <p:sldId id="286" r:id="rId36"/>
-    <p:sldId id="287" r:id="rId37"/>
-    <p:sldId id="288" r:id="rId38"/>
-    <p:sldId id="289" r:id="rId39"/>
-    <p:sldId id="290" r:id="rId40"/>
-    <p:sldId id="291" r:id="rId41"/>
-    <p:sldId id="292" r:id="rId42"/>
-    <p:sldId id="293" r:id="rId43"/>
-    <p:sldId id="294" r:id="rId44"/>
-    <p:sldId id="295" r:id="rId45"/>
-    <p:sldId id="296" r:id="rId46"/>
-    <p:sldId id="297" r:id="rId47"/>
-    <p:sldId id="298" r:id="rId48"/>
-    <p:sldId id="299" r:id="rId49"/>
-    <p:sldId id="300" r:id="rId50"/>
-    <p:sldId id="301" r:id="rId51"/>
-    <p:sldId id="302" r:id="rId52"/>
-    <p:sldId id="303" r:id="rId53"/>
-    <p:sldId id="304" r:id="rId54"/>
-    <p:sldId id="305" r:id="rId55"/>
-    <p:sldId id="306" r:id="rId56"/>
-    <p:sldId id="307" r:id="rId57"/>
-    <p:sldId id="308" r:id="rId58"/>
-    <p:sldId id="309" r:id="rId59"/>
-    <p:sldId id="310" r:id="rId60"/>
+    <p:sldId id="256" r:id="rId5"/>
+    <p:sldId id="257" r:id="rId6"/>
+    <p:sldId id="258" r:id="rId7"/>
+    <p:sldId id="259" r:id="rId8"/>
+    <p:sldId id="260" r:id="rId9"/>
+    <p:sldId id="261" r:id="rId10"/>
+    <p:sldId id="262" r:id="rId11"/>
+    <p:sldId id="263" r:id="rId12"/>
+    <p:sldId id="264" r:id="rId13"/>
+    <p:sldId id="265" r:id="rId14"/>
+    <p:sldId id="266" r:id="rId15"/>
+    <p:sldId id="267" r:id="rId16"/>
+    <p:sldId id="268" r:id="rId17"/>
+    <p:sldId id="269" r:id="rId18"/>
+    <p:sldId id="270" r:id="rId19"/>
+    <p:sldId id="271" r:id="rId20"/>
+    <p:sldId id="272" r:id="rId21"/>
+    <p:sldId id="273" r:id="rId22"/>
+    <p:sldId id="274" r:id="rId23"/>
+    <p:sldId id="275" r:id="rId24"/>
+    <p:sldId id="276" r:id="rId25"/>
+    <p:sldId id="277" r:id="rId26"/>
+    <p:sldId id="278" r:id="rId27"/>
+    <p:sldId id="279" r:id="rId28"/>
+    <p:sldId id="280" r:id="rId29"/>
+    <p:sldId id="281" r:id="rId30"/>
+    <p:sldId id="282" r:id="rId31"/>
+    <p:sldId id="283" r:id="rId32"/>
+    <p:sldId id="284" r:id="rId33"/>
+    <p:sldId id="285" r:id="rId34"/>
+    <p:sldId id="286" r:id="rId35"/>
+    <p:sldId id="287" r:id="rId36"/>
+    <p:sldId id="288" r:id="rId37"/>
+    <p:sldId id="289" r:id="rId38"/>
+    <p:sldId id="290" r:id="rId39"/>
+    <p:sldId id="291" r:id="rId40"/>
+    <p:sldId id="292" r:id="rId41"/>
+    <p:sldId id="293" r:id="rId42"/>
+    <p:sldId id="294" r:id="rId43"/>
+    <p:sldId id="295" r:id="rId44"/>
+    <p:sldId id="296" r:id="rId45"/>
+    <p:sldId id="297" r:id="rId46"/>
+    <p:sldId id="298" r:id="rId47"/>
+    <p:sldId id="299" r:id="rId48"/>
+    <p:sldId id="300" r:id="rId49"/>
+    <p:sldId id="301" r:id="rId50"/>
+    <p:sldId id="302" r:id="rId51"/>
+    <p:sldId id="303" r:id="rId52"/>
+    <p:sldId id="304" r:id="rId53"/>
+    <p:sldId id="305" r:id="rId54"/>
+    <p:sldId id="306" r:id="rId55"/>
+    <p:sldId id="307" r:id="rId56"/>
+    <p:sldId id="308" r:id="rId57"/>
+    <p:sldId id="309" r:id="rId58"/>
+    <p:sldId id="310" r:id="rId59"/>
   </p:sldIdLst>
   <p:sldSz cy="5143500" cx="9144000"/>
   <p:notesSz cx="6858000" cy="9144000"/>
   <p:embeddedFontLst>
     <p:embeddedFont>
       <p:font typeface="Roboto"/>
-      <p:regular r:id="rId61"/>
-      <p:bold r:id="rId62"/>
-      <p:italic r:id="rId63"/>
-      <p:boldItalic r:id="rId64"/>
+      <p:regular r:id="rId60"/>
+      <p:bold r:id="rId61"/>
+      <p:italic r:id="rId62"/>
+      <p:boldItalic r:id="rId63"/>
     </p:embeddedFont>
     <p:embeddedFont>
       <p:font typeface="Lato"/>
-      <p:regular r:id="rId65"/>
-      <p:bold r:id="rId66"/>
-      <p:italic r:id="rId67"/>
-      <p:boldItalic r:id="rId68"/>
+      <p:regular r:id="rId64"/>
+      <p:bold r:id="rId65"/>
+      <p:italic r:id="rId66"/>
+      <p:boldItalic r:id="rId67"/>
     </p:embeddedFont>
   </p:embeddedFontLst>
   <p:defaultTextStyle>
@@ -313,433 +313,10 @@
   </p:defaultTextStyle>
   <p:extLst>
     <p:ext uri="http://customooxmlschemas.google.com/">
-      <go:slidesCustomData xmlns:go="http://customooxmlschemas.google.com/" r:id="rId69" roundtripDataSignature="AMtx7mjZmTS1nHWsuMop0WpAoHNblOrZXQ=="/>
+      <go:slidesCustomData xmlns:go="http://customooxmlschemas.google.com/" r:id="rId68" roundtripDataSignature="AMtx7miN1coERjIQPnKXgVbxUWBi6ozjNw=="/>
     </p:ext>
   </p:extLst>
 </p:presentation>
-</file>
-
-<file path=ppt/commentAuthors.xml><?xml version="1.0" encoding="utf-8"?>
-<p:cmAuthorLst xmlns:a="http://schemas.openxmlformats.org/drawingml/2006/main" xmlns:r="http://schemas.openxmlformats.org/officeDocument/2006/relationships" xmlns:mc="http://schemas.openxmlformats.org/markup-compatibility/2006" xmlns:mv="urn:schemas-microsoft-com:mac:vml" xmlns:p="http://schemas.openxmlformats.org/presentationml/2006/main" xmlns:c="http://schemas.openxmlformats.org/drawingml/2006/chart" xmlns:dgm="http://schemas.openxmlformats.org/drawingml/2006/diagram" xmlns:o="urn:schemas-microsoft-com:office:office" xmlns:v="urn:schemas-microsoft-com:vml" xmlns:pvml="urn:schemas-microsoft-com:office:powerpoint" xmlns:com="http://schemas.openxmlformats.org/drawingml/2006/compatibility" xmlns:p14="http://schemas.microsoft.com/office/powerpoint/2010/main" xmlns:p15="http://schemas.microsoft.com/office/powerpoint/2012/main" xmlns:ahyp="http://schemas.microsoft.com/office/drawing/2018/hyperlinkcolor">
-  <p:cmAuthor clrIdx="0" id="0" initials="" lastIdx="19" name="Carlos Andres Conrado Amaranto"/>
-</p:cmAuthorLst>
-</file>
-
-<file path=ppt/comments/comment1.xml><?xml version="1.0" encoding="utf-8"?>
-<p:cmLst xmlns:a="http://schemas.openxmlformats.org/drawingml/2006/main" xmlns:r="http://schemas.openxmlformats.org/officeDocument/2006/relationships" xmlns:mc="http://schemas.openxmlformats.org/markup-compatibility/2006" xmlns:mv="urn:schemas-microsoft-com:mac:vml" xmlns:p="http://schemas.openxmlformats.org/presentationml/2006/main" xmlns:c="http://schemas.openxmlformats.org/drawingml/2006/chart" xmlns:dgm="http://schemas.openxmlformats.org/drawingml/2006/diagram" xmlns:o="urn:schemas-microsoft-com:office:office" xmlns:v="urn:schemas-microsoft-com:vml" xmlns:pvml="urn:schemas-microsoft-com:office:powerpoint" xmlns:com="http://schemas.openxmlformats.org/drawingml/2006/compatibility" xmlns:p14="http://schemas.microsoft.com/office/powerpoint/2010/main" xmlns:p15="http://schemas.microsoft.com/office/powerpoint/2012/main" xmlns:ahyp="http://schemas.microsoft.com/office/drawing/2018/hyperlinkcolor">
-  <p:cm authorId="0" idx="1" dt="2021-09-21T16:31:54.700">
-    <p:pos x="1155" y="925"/>
-    <p:text>output:
-10
-10</p:text>
-    <p:extLst>
-      <p:ext uri="{C676402C-5697-4E1C-873F-D02D1690AC5C}">
-        <p15:threadingInfo timeZoneBias="0"/>
-      </p:ext>
-      <p:ext uri="http://customooxmlschemas.google.com/">
-        <go:slidesCustomData xmlns:go="http://customooxmlschemas.google.com/" commentPostId="AAAAPsdLazU"/>
-      </p:ext>
-    </p:extLst>
-  </p:cm>
-</p:cmLst>
-</file>
-
-<file path=ppt/comments/comment10.xml><?xml version="1.0" encoding="utf-8"?>
-<p:cmLst xmlns:a="http://schemas.openxmlformats.org/drawingml/2006/main" xmlns:r="http://schemas.openxmlformats.org/officeDocument/2006/relationships" xmlns:mc="http://schemas.openxmlformats.org/markup-compatibility/2006" xmlns:mv="urn:schemas-microsoft-com:mac:vml" xmlns:p="http://schemas.openxmlformats.org/presentationml/2006/main" xmlns:c="http://schemas.openxmlformats.org/drawingml/2006/chart" xmlns:dgm="http://schemas.openxmlformats.org/drawingml/2006/diagram" xmlns:o="urn:schemas-microsoft-com:office:office" xmlns:v="urn:schemas-microsoft-com:vml" xmlns:pvml="urn:schemas-microsoft-com:office:powerpoint" xmlns:com="http://schemas.openxmlformats.org/drawingml/2006/compatibility" xmlns:p14="http://schemas.microsoft.com/office/powerpoint/2010/main" xmlns:p15="http://schemas.microsoft.com/office/powerpoint/2012/main" xmlns:ahyp="http://schemas.microsoft.com/office/drawing/2018/hyperlinkcolor">
-  <p:cm authorId="0" idx="14" dt="2021-09-22T14:08:16.720">
-    <p:pos x="6000" y="0"/>
-    <p:text>Output:
-Fetching user order...
-Uncaught Error: Exception: Logout failed: user ID is invalid</p:text>
-    <p:extLst>
-      <p:ext uri="{C676402C-5697-4E1C-873F-D02D1690AC5C}">
-        <p15:threadingInfo timeZoneBias="0"/>
-      </p:ext>
-      <p:ext uri="http://customooxmlschemas.google.com/">
-        <go:slidesCustomData xmlns:go="http://customooxmlschemas.google.com/" commentPostId="AAAAPtMJLS0"/>
-      </p:ext>
-    </p:extLst>
-  </p:cm>
-</p:cmLst>
-</file>
-
-<file path=ppt/comments/comment11.xml><?xml version="1.0" encoding="utf-8"?>
-<p:cmLst xmlns:a="http://schemas.openxmlformats.org/drawingml/2006/main" xmlns:r="http://schemas.openxmlformats.org/officeDocument/2006/relationships" xmlns:mc="http://schemas.openxmlformats.org/markup-compatibility/2006" xmlns:mv="urn:schemas-microsoft-com:mac:vml" xmlns:p="http://schemas.openxmlformats.org/presentationml/2006/main" xmlns:c="http://schemas.openxmlformats.org/drawingml/2006/chart" xmlns:dgm="http://schemas.openxmlformats.org/drawingml/2006/diagram" xmlns:o="urn:schemas-microsoft-com:office:office" xmlns:v="urn:schemas-microsoft-com:vml" xmlns:pvml="urn:schemas-microsoft-com:office:powerpoint" xmlns:com="http://schemas.openxmlformats.org/drawingml/2006/compatibility" xmlns:p14="http://schemas.microsoft.com/office/powerpoint/2010/main" xmlns:p15="http://schemas.microsoft.com/office/powerpoint/2012/main" xmlns:ahyp="http://schemas.microsoft.com/office/drawing/2018/hyperlinkcolor">
-  <p:cm authorId="0" idx="15" dt="2021-09-22T14:10:04.860">
-    <p:pos x="6000" y="0"/>
-    <p:text>output:
-Caught error: Cannot locate user order</p:text>
-    <p:extLst>
-      <p:ext uri="{C676402C-5697-4E1C-873F-D02D1690AC5C}">
-        <p15:threadingInfo timeZoneBias="0"/>
-      </p:ext>
-      <p:ext uri="http://customooxmlschemas.google.com/">
-        <go:slidesCustomData xmlns:go="http://customooxmlschemas.google.com/" commentPostId="AAAAPtMJLS4"/>
-      </p:ext>
-    </p:extLst>
-  </p:cm>
-</p:cmLst>
-</file>
-
-<file path=ppt/comments/comment12.xml><?xml version="1.0" encoding="utf-8"?>
-<p:cmLst xmlns:a="http://schemas.openxmlformats.org/drawingml/2006/main" xmlns:r="http://schemas.openxmlformats.org/officeDocument/2006/relationships" xmlns:mc="http://schemas.openxmlformats.org/markup-compatibility/2006" xmlns:mv="urn:schemas-microsoft-com:mac:vml" xmlns:p="http://schemas.openxmlformats.org/presentationml/2006/main" xmlns:c="http://schemas.openxmlformats.org/drawingml/2006/chart" xmlns:dgm="http://schemas.openxmlformats.org/drawingml/2006/diagram" xmlns:o="urn:schemas-microsoft-com:office:office" xmlns:v="urn:schemas-microsoft-com:vml" xmlns:pvml="urn:schemas-microsoft-com:office:powerpoint" xmlns:com="http://schemas.openxmlformats.org/drawingml/2006/compatibility" xmlns:p14="http://schemas.microsoft.com/office/powerpoint/2010/main" xmlns:p15="http://schemas.microsoft.com/office/powerpoint/2012/main" xmlns:ahyp="http://schemas.microsoft.com/office/drawing/2018/hyperlinkcolor">
-  <p:cm authorId="0" idx="16" dt="2021-09-22T14:18:07.340">
-    <p:pos x="6000" y="0"/>
-    <p:text>output:
-Large Latte
-Fetching user order...</p:text>
-    <p:extLst>
-      <p:ext uri="{C676402C-5697-4E1C-873F-D02D1690AC5C}">
-        <p15:threadingInfo timeZoneBias="0"/>
-      </p:ext>
-      <p:ext uri="http://customooxmlschemas.google.com/">
-        <go:slidesCustomData xmlns:go="http://customooxmlschemas.google.com/" commentPostId="AAAAPtMJLS8"/>
-      </p:ext>
-    </p:extLst>
-  </p:cm>
-</p:cmLst>
-</file>
-
-<file path=ppt/comments/comment13.xml><?xml version="1.0" encoding="utf-8"?>
-<p:cmLst xmlns:a="http://schemas.openxmlformats.org/drawingml/2006/main" xmlns:r="http://schemas.openxmlformats.org/officeDocument/2006/relationships" xmlns:mc="http://schemas.openxmlformats.org/markup-compatibility/2006" xmlns:mv="urn:schemas-microsoft-com:mac:vml" xmlns:p="http://schemas.openxmlformats.org/presentationml/2006/main" xmlns:c="http://schemas.openxmlformats.org/drawingml/2006/chart" xmlns:dgm="http://schemas.openxmlformats.org/drawingml/2006/diagram" xmlns:o="urn:schemas-microsoft-com:office:office" xmlns:v="urn:schemas-microsoft-com:vml" xmlns:pvml="urn:schemas-microsoft-com:office:powerpoint" xmlns:com="http://schemas.openxmlformats.org/drawingml/2006/compatibility" xmlns:p14="http://schemas.microsoft.com/office/powerpoint/2010/main" xmlns:p15="http://schemas.microsoft.com/office/powerpoint/2012/main" xmlns:ahyp="http://schemas.microsoft.com/office/drawing/2018/hyperlinkcolor">
-  <p:cm authorId="0" idx="17" dt="2021-09-20T07:17:29.505">
-    <p:pos x="6000" y="0"/>
-    <p:text>Future&lt;int&gt; sumStream(Stream&lt;int&gt; stream) async {
-var sum = 0;
-await for (var value in stream) {
-sum+= value;
-}
-return sum;
-}
-Stream&lt;int&gt; countStream(int to) async* {
-for (int i = 1; i &lt;= to; i++) {
-yieldi;
-}
-}
-Future&lt;void&gt; main() async {
-var stream = countStream(10);
-var sum = await sumStream(stream);
-print(sum); // 55
-}</p:text>
-    <p:extLst>
-      <p:ext uri="{C676402C-5697-4E1C-873F-D02D1690AC5C}">
-        <p15:threadingInfo timeZoneBias="0"/>
-      </p:ext>
-      <p:ext uri="http://customooxmlschemas.google.com/">
-        <go:slidesCustomData xmlns:go="http://customooxmlschemas.google.com/" commentPostId="AAAAPpkYUR8"/>
-      </p:ext>
-    </p:extLst>
-  </p:cm>
-</p:cmLst>
-</file>
-
-<file path=ppt/comments/comment14.xml><?xml version="1.0" encoding="utf-8"?>
-<p:cmLst xmlns:a="http://schemas.openxmlformats.org/drawingml/2006/main" xmlns:r="http://schemas.openxmlformats.org/officeDocument/2006/relationships" xmlns:mc="http://schemas.openxmlformats.org/markup-compatibility/2006" xmlns:mv="urn:schemas-microsoft-com:mac:vml" xmlns:p="http://schemas.openxmlformats.org/presentationml/2006/main" xmlns:c="http://schemas.openxmlformats.org/drawingml/2006/chart" xmlns:dgm="http://schemas.openxmlformats.org/drawingml/2006/diagram" xmlns:o="urn:schemas-microsoft-com:office:office" xmlns:v="urn:schemas-microsoft-com:vml" xmlns:pvml="urn:schemas-microsoft-com:office:powerpoint" xmlns:com="http://schemas.openxmlformats.org/drawingml/2006/compatibility" xmlns:p14="http://schemas.microsoft.com/office/powerpoint/2010/main" xmlns:p15="http://schemas.microsoft.com/office/powerpoint/2012/main" xmlns:ahyp="http://schemas.microsoft.com/office/drawing/2018/hyperlinkcolor">
-  <p:cm authorId="0" idx="18" dt="2021-09-20T07:16:43.596">
-    <p:pos x="6000" y="0"/>
-    <p:text>abstract class ExampleStateBase {
-@protected
-String initialText;
-@protected
-String stateText;
-String get currentText =&gt; stateText;
-void setStateText(String text) {
-stateText = text;
-}
-void reset() {
-stateText = initialText;
-}
-}</p:text>
-    <p:extLst>
-      <p:ext uri="{C676402C-5697-4E1C-873F-D02D1690AC5C}">
-        <p15:threadingInfo timeZoneBias="0"/>
-      </p:ext>
-      <p:ext uri="http://customooxmlschemas.google.com/">
-        <go:slidesCustomData xmlns:go="http://customooxmlschemas.google.com/" commentPostId="AAAAPpkYUR4"/>
-      </p:ext>
-    </p:extLst>
-  </p:cm>
-</p:cmLst>
-</file>
-
-<file path=ppt/comments/comment15.xml><?xml version="1.0" encoding="utf-8"?>
-<p:cmLst xmlns:a="http://schemas.openxmlformats.org/drawingml/2006/main" xmlns:r="http://schemas.openxmlformats.org/officeDocument/2006/relationships" xmlns:mc="http://schemas.openxmlformats.org/markup-compatibility/2006" xmlns:mv="urn:schemas-microsoft-com:mac:vml" xmlns:p="http://schemas.openxmlformats.org/presentationml/2006/main" xmlns:c="http://schemas.openxmlformats.org/drawingml/2006/chart" xmlns:dgm="http://schemas.openxmlformats.org/drawingml/2006/diagram" xmlns:o="urn:schemas-microsoft-com:office:office" xmlns:v="urn:schemas-microsoft-com:vml" xmlns:pvml="urn:schemas-microsoft-com:office:powerpoint" xmlns:com="http://schemas.openxmlformats.org/drawingml/2006/compatibility" xmlns:p14="http://schemas.microsoft.com/office/powerpoint/2010/main" xmlns:p15="http://schemas.microsoft.com/office/powerpoint/2012/main" xmlns:ahyp="http://schemas.microsoft.com/office/drawing/2018/hyperlinkcolor">
-  <p:cm authorId="0" idx="19" dt="2021-09-20T07:15:54.232">
-    <p:pos x="6000" y="0"/>
-    <p:text>class ExampleStateByDefinition extends ExampleStateBase {
-static ExampleStateByDefinition _instance;
-ExampleStateByDefinition _internal() {
-initialText = “A new ‘ExampleStateByDefinition’ instance hash been created.”
-stateText = initialText;
-print(stateText);
-}
-static ExampleStateByDefinition getState() {
-if (_instance == null) {
-instance = ExampleStateByDefinition._internal();
-}
-return _instance;
-}
-}</p:text>
-    <p:extLst>
-      <p:ext uri="{C676402C-5697-4E1C-873F-D02D1690AC5C}">
-        <p15:threadingInfo timeZoneBias="0"/>
-      </p:ext>
-      <p:ext uri="http://customooxmlschemas.google.com/">
-        <go:slidesCustomData xmlns:go="http://customooxmlschemas.google.com/" commentPostId="AAAAPpkYUR0"/>
-      </p:ext>
-    </p:extLst>
-  </p:cm>
-</p:cmLst>
-</file>
-
-<file path=ppt/comments/comment2.xml><?xml version="1.0" encoding="utf-8"?>
-<p:cmLst xmlns:a="http://schemas.openxmlformats.org/drawingml/2006/main" xmlns:r="http://schemas.openxmlformats.org/officeDocument/2006/relationships" xmlns:mc="http://schemas.openxmlformats.org/markup-compatibility/2006" xmlns:mv="urn:schemas-microsoft-com:mac:vml" xmlns:p="http://schemas.openxmlformats.org/presentationml/2006/main" xmlns:c="http://schemas.openxmlformats.org/drawingml/2006/chart" xmlns:dgm="http://schemas.openxmlformats.org/drawingml/2006/diagram" xmlns:o="urn:schemas-microsoft-com:office:office" xmlns:v="urn:schemas-microsoft-com:vml" xmlns:pvml="urn:schemas-microsoft-com:office:powerpoint" xmlns:com="http://schemas.openxmlformats.org/drawingml/2006/compatibility" xmlns:p14="http://schemas.microsoft.com/office/powerpoint/2010/main" xmlns:p15="http://schemas.microsoft.com/office/powerpoint/2012/main" xmlns:ahyp="http://schemas.microsoft.com/office/drawing/2018/hyperlinkcolor">
-  <p:cm authorId="0" idx="2" dt="2021-09-22T13:46:18.758">
-    <p:pos x="6000" y="0"/>
-    <p:text>output:
-null
-100
-100</p:text>
-    <p:extLst>
-      <p:ext uri="{C676402C-5697-4E1C-873F-D02D1690AC5C}">
-        <p15:threadingInfo timeZoneBias="0"/>
-      </p:ext>
-      <p:ext uri="http://customooxmlschemas.google.com/">
-        <go:slidesCustomData xmlns:go="http://customooxmlschemas.google.com/" commentPostId="AAAAPtMJLSs"/>
-      </p:ext>
-    </p:extLst>
-  </p:cm>
-</p:cmLst>
-</file>
-
-<file path=ppt/comments/comment3.xml><?xml version="1.0" encoding="utf-8"?>
-<p:cmLst xmlns:a="http://schemas.openxmlformats.org/drawingml/2006/main" xmlns:r="http://schemas.openxmlformats.org/officeDocument/2006/relationships" xmlns:mc="http://schemas.openxmlformats.org/markup-compatibility/2006" xmlns:mv="urn:schemas-microsoft-com:mac:vml" xmlns:p="http://schemas.openxmlformats.org/presentationml/2006/main" xmlns:c="http://schemas.openxmlformats.org/drawingml/2006/chart" xmlns:dgm="http://schemas.openxmlformats.org/drawingml/2006/diagram" xmlns:o="urn:schemas-microsoft-com:office:office" xmlns:v="urn:schemas-microsoft-com:vml" xmlns:pvml="urn:schemas-microsoft-com:office:powerpoint" xmlns:com="http://schemas.openxmlformats.org/drawingml/2006/compatibility" xmlns:p14="http://schemas.microsoft.com/office/powerpoint/2010/main" xmlns:p15="http://schemas.microsoft.com/office/powerpoint/2012/main" xmlns:ahyp="http://schemas.microsoft.com/office/drawing/2018/hyperlinkcolor">
-  <p:cm authorId="0" idx="3" dt="2021-09-20T07:55:09.797">
-    <p:pos x="6000" y="0"/>
-    <p:text>class Coffe {
-late String _temperature;
-void heat() {_temperature = ‘hot’;}
-void chill {_temperature = ‘iced’;}
-String serve() =&gt; _temperature + ‘ coffe’;
-}</p:text>
-    <p:extLst>
-      <p:ext uri="{C676402C-5697-4E1C-873F-D02D1690AC5C}">
-        <p15:threadingInfo timeZoneBias="0"/>
-      </p:ext>
-      <p:ext uri="http://customooxmlschemas.google.com/">
-        <go:slidesCustomData xmlns:go="http://customooxmlschemas.google.com/" commentPostId="AAAAPpnkzpA"/>
-      </p:ext>
-    </p:extLst>
-  </p:cm>
-  <p:cm authorId="0" idx="4" dt="2021-09-20T07:54:43.055">
-    <p:pos x="6000" y="100"/>
-    <p:text>class Coffe {
-String _temperature;
-void heat() {_ temperature = ‘hot’}
-void chill() {_temperature = ‘iced’}
-String serve() =&gt; _temperature + ‘ coffe’;
-}
-main() {
-var coffe = Coffe();
-coffe.heat();
-coffe.serve();
-}</p:text>
-    <p:extLst>
-      <p:ext uri="{C676402C-5697-4E1C-873F-D02D1690AC5C}">
-        <p15:threadingInfo timeZoneBias="0"/>
-      </p:ext>
-      <p:ext uri="http://customooxmlschemas.google.com/">
-        <go:slidesCustomData xmlns:go="http://customooxmlschemas.google.com/" commentPostId="AAAAPpkYUSA"/>
-      </p:ext>
-    </p:extLst>
-  </p:cm>
-</p:cmLst>
-</file>
-
-<file path=ppt/comments/comment4.xml><?xml version="1.0" encoding="utf-8"?>
-<p:cmLst xmlns:a="http://schemas.openxmlformats.org/drawingml/2006/main" xmlns:r="http://schemas.openxmlformats.org/officeDocument/2006/relationships" xmlns:mc="http://schemas.openxmlformats.org/markup-compatibility/2006" xmlns:mv="urn:schemas-microsoft-com:mac:vml" xmlns:p="http://schemas.openxmlformats.org/presentationml/2006/main" xmlns:c="http://schemas.openxmlformats.org/drawingml/2006/chart" xmlns:dgm="http://schemas.openxmlformats.org/drawingml/2006/diagram" xmlns:o="urn:schemas-microsoft-com:office:office" xmlns:v="urn:schemas-microsoft-com:vml" xmlns:pvml="urn:schemas-microsoft-com:office:powerpoint" xmlns:com="http://schemas.openxmlformats.org/drawingml/2006/compatibility" xmlns:p14="http://schemas.microsoft.com/office/powerpoint/2010/main" xmlns:p15="http://schemas.microsoft.com/office/powerpoint/2012/main" xmlns:ahyp="http://schemas.microsoft.com/office/drawing/2018/hyperlinkcolor">
-  <p:cm authorId="0" idx="5" dt="2021-09-20T07:55:37.018">
-    <p:pos x="6000" y="0"/>
-    <p:text>// Define a funcion.
-Void printInteger(int aNumber){
-print(‘The number is $aNumber.’);// Print to console
-}
-// This is where the app starts executing
-void main(){
-var number = 42; // Declare and initialize a variable
-printInteger(number); // Call a function
-}</p:text>
-    <p:extLst>
-      <p:ext uri="{C676402C-5697-4E1C-873F-D02D1690AC5C}">
-        <p15:threadingInfo timeZoneBias="0"/>
-      </p:ext>
-      <p:ext uri="http://customooxmlschemas.google.com/">
-        <go:slidesCustomData xmlns:go="http://customooxmlschemas.google.com/" commentPostId="AAAAPpnkzpE"/>
-      </p:ext>
-    </p:extLst>
-  </p:cm>
-</p:cmLst>
-</file>
-
-<file path=ppt/comments/comment5.xml><?xml version="1.0" encoding="utf-8"?>
-<p:cmLst xmlns:a="http://schemas.openxmlformats.org/drawingml/2006/main" xmlns:r="http://schemas.openxmlformats.org/officeDocument/2006/relationships" xmlns:mc="http://schemas.openxmlformats.org/markup-compatibility/2006" xmlns:mv="urn:schemas-microsoft-com:mac:vml" xmlns:p="http://schemas.openxmlformats.org/presentationml/2006/main" xmlns:c="http://schemas.openxmlformats.org/drawingml/2006/chart" xmlns:dgm="http://schemas.openxmlformats.org/drawingml/2006/diagram" xmlns:o="urn:schemas-microsoft-com:office:office" xmlns:v="urn:schemas-microsoft-com:vml" xmlns:pvml="urn:schemas-microsoft-com:office:powerpoint" xmlns:com="http://schemas.openxmlformats.org/drawingml/2006/compatibility" xmlns:p14="http://schemas.microsoft.com/office/powerpoint/2010/main" xmlns:p15="http://schemas.microsoft.com/office/powerpoint/2012/main" xmlns:ahyp="http://schemas.microsoft.com/office/drawing/2018/hyperlinkcolor">
-  <p:cm authorId="0" idx="6" dt="2021-09-20T07:57:20.344">
-    <p:pos x="6000" y="0"/>
-    <p:text>// hereda de Empleado
-class Chofer extends Empleado{
-String vehiculoAsignado;
-void manejar(){
-print(‘Manejar vehiculo’);
-}
-}</p:text>
-    <p:extLst>
-      <p:ext uri="{C676402C-5697-4E1C-873F-D02D1690AC5C}">
-        <p15:threadingInfo timeZoneBias="0"/>
-      </p:ext>
-      <p:ext uri="http://customooxmlschemas.google.com/">
-        <go:slidesCustomData xmlns:go="http://customooxmlschemas.google.com/" commentPostId="AAAAPpnkzpM"/>
-      </p:ext>
-    </p:extLst>
-  </p:cm>
-  <p:cm authorId="0" idx="7" dt="2021-09-20T07:57:07.494">
-    <p:pos x="6000" y="100"/>
-    <p:text>class Empleado{
-var id;
-var name;
-double salario;
-void calcularSalario(){
-print(‘El salario de $name es $salario’);
-}
-}</p:text>
-    <p:extLst>
-      <p:ext uri="{C676402C-5697-4E1C-873F-D02D1690AC5C}">
-        <p15:threadingInfo timeZoneBias="0"/>
-      </p:ext>
-      <p:ext uri="http://customooxmlschemas.google.com/">
-        <go:slidesCustomData xmlns:go="http://customooxmlschemas.google.com/" commentPostId="AAAAPpnkzpI"/>
-      </p:ext>
-    </p:extLst>
-  </p:cm>
-</p:cmLst>
-</file>
-
-<file path=ppt/comments/comment6.xml><?xml version="1.0" encoding="utf-8"?>
-<p:cmLst xmlns:a="http://schemas.openxmlformats.org/drawingml/2006/main" xmlns:r="http://schemas.openxmlformats.org/officeDocument/2006/relationships" xmlns:mc="http://schemas.openxmlformats.org/markup-compatibility/2006" xmlns:mv="urn:schemas-microsoft-com:mac:vml" xmlns:p="http://schemas.openxmlformats.org/presentationml/2006/main" xmlns:c="http://schemas.openxmlformats.org/drawingml/2006/chart" xmlns:dgm="http://schemas.openxmlformats.org/drawingml/2006/diagram" xmlns:o="urn:schemas-microsoft-com:office:office" xmlns:v="urn:schemas-microsoft-com:vml" xmlns:pvml="urn:schemas-microsoft-com:office:powerpoint" xmlns:com="http://schemas.openxmlformats.org/drawingml/2006/compatibility" xmlns:p14="http://schemas.microsoft.com/office/powerpoint/2010/main" xmlns:p15="http://schemas.microsoft.com/office/powerpoint/2012/main" xmlns:ahyp="http://schemas.microsoft.com/office/drawing/2018/hyperlinkcolor">
-  <p:cm authorId="0" idx="8" dt="2021-09-20T07:57:52.725">
-    <p:pos x="6000" y="0"/>
-    <p:text>class Cuadrado extends Forma {
-@override
-void calcularPerimetro(){
-// TODO: implement calcularPerimetro
-}
-}</p:text>
-    <p:extLst>
-      <p:ext uri="{C676402C-5697-4E1C-873F-D02D1690AC5C}">
-        <p15:threadingInfo timeZoneBias="0"/>
-      </p:ext>
-      <p:ext uri="http://customooxmlschemas.google.com/">
-        <go:slidesCustomData xmlns:go="http://customooxmlschemas.google.com/" commentPostId="AAAAPpnkzpU"/>
-      </p:ext>
-    </p:extLst>
-  </p:cm>
-  <p:cm authorId="0" idx="9" dt="2021-09-20T07:57:40.377">
-    <p:pos x="6000" y="100"/>
-    <p:text>abstract class Forma{
-var id;
-var permetro;
-var area;
-void calcularArea(){
-print(‘Calculo por defcto’);
-}
-void calcularPerimetro();
-}</p:text>
-    <p:extLst>
-      <p:ext uri="{C676402C-5697-4E1C-873F-D02D1690AC5C}">
-        <p15:threadingInfo timeZoneBias="0"/>
-      </p:ext>
-      <p:ext uri="http://customooxmlschemas.google.com/">
-        <go:slidesCustomData xmlns:go="http://customooxmlschemas.google.com/" commentPostId="AAAAPpnkzpQ"/>
-      </p:ext>
-    </p:extLst>
-  </p:cm>
-</p:cmLst>
-</file>
-
-<file path=ppt/comments/comment7.xml><?xml version="1.0" encoding="utf-8"?>
-<p:cmLst xmlns:a="http://schemas.openxmlformats.org/drawingml/2006/main" xmlns:r="http://schemas.openxmlformats.org/officeDocument/2006/relationships" xmlns:mc="http://schemas.openxmlformats.org/markup-compatibility/2006" xmlns:mv="urn:schemas-microsoft-com:mac:vml" xmlns:p="http://schemas.openxmlformats.org/presentationml/2006/main" xmlns:c="http://schemas.openxmlformats.org/drawingml/2006/chart" xmlns:dgm="http://schemas.openxmlformats.org/drawingml/2006/diagram" xmlns:o="urn:schemas-microsoft-com:office:office" xmlns:v="urn:schemas-microsoft-com:vml" xmlns:pvml="urn:schemas-microsoft-com:office:powerpoint" xmlns:com="http://schemas.openxmlformats.org/drawingml/2006/compatibility" xmlns:p14="http://schemas.microsoft.com/office/powerpoint/2010/main" xmlns:p15="http://schemas.microsoft.com/office/powerpoint/2012/main" xmlns:ahyp="http://schemas.microsoft.com/office/drawing/2018/hyperlinkcolor">
-  <p:cm authorId="0" idx="10" dt="2021-09-20T07:58:10.537">
-    <p:pos x="6000" y="0"/>
-    <p:text>void main() async {
-print(‘Estamos a punto de pedir datos’);
-String data = await httpGet(‘http://api.nada.com/aliens’);
-print(data);
-print(‘Ultima linea’);
-}</p:text>
-    <p:extLst>
-      <p:ext uri="{C676402C-5697-4E1C-873F-D02D1690AC5C}">
-        <p15:threadingInfo timeZoneBias="0"/>
-      </p:ext>
-      <p:ext uri="http://customooxmlschemas.google.com/">
-        <go:slidesCustomData xmlns:go="http://customooxmlschemas.google.com/" commentPostId="AAAAPpnkzpY"/>
-      </p:ext>
-    </p:extLst>
-  </p:cm>
-</p:cmLst>
-</file>
-
-<file path=ppt/comments/comment8.xml><?xml version="1.0" encoding="utf-8"?>
-<p:cmLst xmlns:a="http://schemas.openxmlformats.org/drawingml/2006/main" xmlns:r="http://schemas.openxmlformats.org/officeDocument/2006/relationships" xmlns:mc="http://schemas.openxmlformats.org/markup-compatibility/2006" xmlns:mv="urn:schemas-microsoft-com:mac:vml" xmlns:p="http://schemas.openxmlformats.org/presentationml/2006/main" xmlns:c="http://schemas.openxmlformats.org/drawingml/2006/chart" xmlns:dgm="http://schemas.openxmlformats.org/drawingml/2006/diagram" xmlns:o="urn:schemas-microsoft-com:office:office" xmlns:v="urn:schemas-microsoft-com:vml" xmlns:pvml="urn:schemas-microsoft-com:office:powerpoint" xmlns:com="http://schemas.openxmlformats.org/drawingml/2006/compatibility" xmlns:p14="http://schemas.microsoft.com/office/powerpoint/2010/main" xmlns:p15="http://schemas.microsoft.com/office/powerpoint/2012/main" xmlns:ahyp="http://schemas.microsoft.com/office/drawing/2018/hyperlinkcolor">
-  <p:cm authorId="0" idx="11" dt="2021-09-20T07:58:51.780">
-    <p:pos x="6000" y="0"/>
-    <p:text>try {
-version = await lookUpVersion();
-} catch (e) {
-// React to inability to look up version
-}</p:text>
-    <p:extLst>
-      <p:ext uri="{C676402C-5697-4E1C-873F-D02D1690AC5C}">
-        <p15:threadingInfo timeZoneBias="0"/>
-      </p:ext>
-      <p:ext uri="http://customooxmlschemas.google.com/">
-        <go:slidesCustomData xmlns:go="http://customooxmlschemas.google.com/" commentPostId="AAAAPpnkzpg"/>
-      </p:ext>
-    </p:extLst>
-  </p:cm>
-  <p:cm authorId="0" idx="12" dt="2021-09-20T07:58:31.536">
-    <p:pos x="6000" y="100"/>
-    <p:text>Future&lt;void&gt; checkVersion() async {
-var version = await lookUpVersion();
-// Do something with version
-}</p:text>
-    <p:extLst>
-      <p:ext uri="{C676402C-5697-4E1C-873F-D02D1690AC5C}">
-        <p15:threadingInfo timeZoneBias="0"/>
-      </p:ext>
-      <p:ext uri="http://customooxmlschemas.google.com/">
-        <go:slidesCustomData xmlns:go="http://customooxmlschemas.google.com/" commentPostId="AAAAPpnkzpc"/>
-      </p:ext>
-    </p:extLst>
-  </p:cm>
-</p:cmLst>
-</file>
-
-<file path=ppt/comments/comment9.xml><?xml version="1.0" encoding="utf-8"?>
-<p:cmLst xmlns:a="http://schemas.openxmlformats.org/drawingml/2006/main" xmlns:r="http://schemas.openxmlformats.org/officeDocument/2006/relationships" xmlns:mc="http://schemas.openxmlformats.org/markup-compatibility/2006" xmlns:mv="urn:schemas-microsoft-com:mac:vml" xmlns:p="http://schemas.openxmlformats.org/presentationml/2006/main" xmlns:c="http://schemas.openxmlformats.org/drawingml/2006/chart" xmlns:dgm="http://schemas.openxmlformats.org/drawingml/2006/diagram" xmlns:o="urn:schemas-microsoft-com:office:office" xmlns:v="urn:schemas-microsoft-com:vml" xmlns:pvml="urn:schemas-microsoft-com:office:powerpoint" xmlns:com="http://schemas.openxmlformats.org/drawingml/2006/compatibility" xmlns:p14="http://schemas.microsoft.com/office/powerpoint/2010/main" xmlns:p15="http://schemas.microsoft.com/office/powerpoint/2012/main" xmlns:ahyp="http://schemas.microsoft.com/office/drawing/2018/hyperlinkcolor">
-  <p:cm authorId="0" idx="13" dt="2021-09-22T14:06:59.301">
-    <p:pos x="6000" y="0"/>
-    <p:text>output:
-Fetching user order...
-Large Latte</p:text>
-    <p:extLst>
-      <p:ext uri="{C676402C-5697-4E1C-873F-D02D1690AC5C}">
-        <p15:threadingInfo timeZoneBias="0"/>
-      </p:ext>
-      <p:ext uri="http://customooxmlschemas.google.com/">
-        <go:slidesCustomData xmlns:go="http://customooxmlschemas.google.com/" commentPostId="AAAAPtMJLSw"/>
-      </p:ext>
-    </p:extLst>
-  </p:cm>
-</p:cmLst>
 </file>
 
 <file path=ppt/notesMasters/notesMaster1.xml><?xml version="1.0" encoding="utf-8"?>
@@ -3710,6 +3287,34 @@
             </a:pPr>
             <a:r>
               <a:t/>
+            </a:r>
+            <a:endParaRPr>
+              <a:solidFill>
+                <a:schemeClr val="dk1"/>
+              </a:solidFill>
+            </a:endParaRPr>
+          </a:p>
+          <a:p>
+            <a:pPr indent="0" lvl="0" marL="0" rtl="0" algn="l">
+              <a:lnSpc>
+                <a:spcPct val="100000"/>
+              </a:lnSpc>
+              <a:spcBef>
+                <a:spcPts val="0"/>
+              </a:spcBef>
+              <a:spcAft>
+                <a:spcPts val="0"/>
+              </a:spcAft>
+              <a:buSzPts val="1100"/>
+              <a:buNone/>
+            </a:pPr>
+            <a:r>
+              <a:rPr lang="es">
+                <a:solidFill>
+                  <a:schemeClr val="dk1"/>
+                </a:solidFill>
+              </a:rPr>
+              <a:t>OUTPUT; 10 10</a:t>
             </a:r>
             <a:endParaRPr>
               <a:solidFill>
@@ -35244,7 +34849,7 @@
     <p:bg>
       <p:bgPr>
         <a:blipFill>
-          <a:blip r:embed="rId4">
+          <a:blip r:embed="rId3">
             <a:alphaModFix/>
           </a:blip>
           <a:stretch>
@@ -35332,7 +34937,7 @@
           <p:nvPr/>
         </p:nvPicPr>
         <p:blipFill>
-          <a:blip r:embed="rId5">
+          <a:blip r:embed="rId4">
             <a:alphaModFix/>
           </a:blip>
           <a:stretch>
@@ -35367,7 +34972,7 @@
     <p:bg>
       <p:bgPr>
         <a:blipFill>
-          <a:blip r:embed="rId4">
+          <a:blip r:embed="rId3">
             <a:alphaModFix/>
           </a:blip>
           <a:stretch>
@@ -35455,7 +35060,7 @@
           <p:nvPr/>
         </p:nvPicPr>
         <p:blipFill>
-          <a:blip r:embed="rId5">
+          <a:blip r:embed="rId4">
             <a:alphaModFix/>
           </a:blip>
           <a:stretch>
@@ -35691,7 +35296,7 @@
     <p:bg>
       <p:bgPr>
         <a:blipFill>
-          <a:blip r:embed="rId4">
+          <a:blip r:embed="rId3">
             <a:alphaModFix/>
           </a:blip>
           <a:stretch>
@@ -35863,7 +35468,7 @@
           <p:nvPr/>
         </p:nvPicPr>
         <p:blipFill>
-          <a:blip r:embed="rId5">
+          <a:blip r:embed="rId4">
             <a:alphaModFix/>
           </a:blip>
           <a:stretch>
@@ -35891,7 +35496,7 @@
           <p:nvPr/>
         </p:nvPicPr>
         <p:blipFill>
-          <a:blip r:embed="rId6">
+          <a:blip r:embed="rId5">
             <a:alphaModFix/>
           </a:blip>
           <a:stretch>
@@ -36535,7 +36140,7 @@
     <p:bg>
       <p:bgPr>
         <a:blipFill>
-          <a:blip r:embed="rId4">
+          <a:blip r:embed="rId3">
             <a:alphaModFix/>
           </a:blip>
           <a:stretch>
@@ -36813,7 +36418,7 @@
           <p:nvPr/>
         </p:nvPicPr>
         <p:blipFill>
-          <a:blip r:embed="rId5">
+          <a:blip r:embed="rId4">
             <a:alphaModFix/>
           </a:blip>
           <a:stretch>
@@ -37938,7 +37543,7 @@
     <p:bg>
       <p:bgPr>
         <a:blipFill>
-          <a:blip r:embed="rId4">
+          <a:blip r:embed="rId3">
             <a:alphaModFix/>
           </a:blip>
           <a:stretch>
@@ -38340,7 +37945,7 @@
           <p:nvPr/>
         </p:nvPicPr>
         <p:blipFill>
-          <a:blip r:embed="rId5">
+          <a:blip r:embed="rId4">
             <a:alphaModFix/>
           </a:blip>
           <a:stretch>
@@ -38368,7 +37973,7 @@
           <p:nvPr/>
         </p:nvPicPr>
         <p:blipFill>
-          <a:blip r:embed="rId6">
+          <a:blip r:embed="rId5">
             <a:alphaModFix/>
           </a:blip>
           <a:stretch>
@@ -38403,7 +38008,7 @@
     <p:bg>
       <p:bgPr>
         <a:blipFill>
-          <a:blip r:embed="rId4">
+          <a:blip r:embed="rId3">
             <a:alphaModFix/>
           </a:blip>
           <a:stretch>
@@ -38918,7 +38523,7 @@
           <p:nvPr/>
         </p:nvPicPr>
         <p:blipFill>
-          <a:blip r:embed="rId5">
+          <a:blip r:embed="rId4">
             <a:alphaModFix/>
           </a:blip>
           <a:stretch>
@@ -38946,7 +38551,7 @@
           <p:nvPr/>
         </p:nvPicPr>
         <p:blipFill>
-          <a:blip r:embed="rId6">
+          <a:blip r:embed="rId5">
             <a:alphaModFix/>
           </a:blip>
           <a:stretch>
@@ -42013,7 +41618,7 @@
     <p:bg>
       <p:bgPr>
         <a:blipFill>
-          <a:blip r:embed="rId4">
+          <a:blip r:embed="rId3">
             <a:alphaModFix/>
           </a:blip>
           <a:stretch>
@@ -42556,7 +42161,7 @@
           <p:nvPr/>
         </p:nvPicPr>
         <p:blipFill>
-          <a:blip r:embed="rId5">
+          <a:blip r:embed="rId4">
             <a:alphaModFix/>
           </a:blip>
           <a:stretch>
@@ -42591,7 +42196,7 @@
     <p:bg>
       <p:bgPr>
         <a:blipFill>
-          <a:blip r:embed="rId4">
+          <a:blip r:embed="rId3">
             <a:alphaModFix/>
           </a:blip>
           <a:stretch>
@@ -43021,7 +42626,7 @@
           <p:nvPr/>
         </p:nvPicPr>
         <p:blipFill>
-          <a:blip r:embed="rId5">
+          <a:blip r:embed="rId4">
             <a:alphaModFix/>
           </a:blip>
           <a:stretch>
@@ -43049,7 +42654,7 @@
           <p:nvPr/>
         </p:nvPicPr>
         <p:blipFill>
-          <a:blip r:embed="rId6">
+          <a:blip r:embed="rId5">
             <a:alphaModFix/>
           </a:blip>
           <a:stretch>
@@ -43084,7 +42689,7 @@
     <p:bg>
       <p:bgPr>
         <a:blipFill>
-          <a:blip r:embed="rId4">
+          <a:blip r:embed="rId3">
             <a:alphaModFix/>
           </a:blip>
           <a:stretch>
@@ -43259,7 +42864,7 @@
           <p:nvPr/>
         </p:nvPicPr>
         <p:blipFill>
-          <a:blip r:embed="rId5">
+          <a:blip r:embed="rId4">
             <a:alphaModFix/>
           </a:blip>
           <a:stretch>
@@ -43294,7 +42899,7 @@
     <p:bg>
       <p:bgPr>
         <a:blipFill>
-          <a:blip r:embed="rId4">
+          <a:blip r:embed="rId3">
             <a:alphaModFix/>
           </a:blip>
           <a:stretch>
@@ -43469,7 +43074,7 @@
           <p:nvPr/>
         </p:nvPicPr>
         <p:blipFill>
-          <a:blip r:embed="rId5">
+          <a:blip r:embed="rId4">
             <a:alphaModFix/>
           </a:blip>
           <a:stretch>
@@ -43504,7 +43109,7 @@
     <p:bg>
       <p:bgPr>
         <a:blipFill>
-          <a:blip r:embed="rId4">
+          <a:blip r:embed="rId3">
             <a:alphaModFix/>
           </a:blip>
           <a:stretch>
@@ -43703,7 +43308,7 @@
           <p:nvPr/>
         </p:nvPicPr>
         <p:blipFill>
-          <a:blip r:embed="rId5">
+          <a:blip r:embed="rId4">
             <a:alphaModFix/>
           </a:blip>
           <a:stretch>
@@ -43738,7 +43343,7 @@
     <p:bg>
       <p:bgPr>
         <a:blipFill>
-          <a:blip r:embed="rId4">
+          <a:blip r:embed="rId3">
             <a:alphaModFix/>
           </a:blip>
           <a:stretch>
@@ -43925,7 +43530,7 @@
           <p:nvPr/>
         </p:nvPicPr>
         <p:blipFill>
-          <a:blip r:embed="rId5">
+          <a:blip r:embed="rId4">
             <a:alphaModFix/>
           </a:blip>
           <a:stretch>
@@ -44558,7 +44163,7 @@
     <p:bg>
       <p:bgPr>
         <a:blipFill>
-          <a:blip r:embed="rId4">
+          <a:blip r:embed="rId3">
             <a:alphaModFix/>
           </a:blip>
           <a:stretch>
@@ -44862,7 +44467,7 @@
           <p:nvPr/>
         </p:nvPicPr>
         <p:blipFill>
-          <a:blip r:embed="rId5">
+          <a:blip r:embed="rId4">
             <a:alphaModFix/>
           </a:blip>
           <a:stretch>
@@ -47366,7 +46971,7 @@
     <p:bg>
       <p:bgPr>
         <a:blipFill>
-          <a:blip r:embed="rId4">
+          <a:blip r:embed="rId3">
             <a:alphaModFix/>
           </a:blip>
           <a:stretch>
@@ -47945,7 +47550,7 @@
           <p:nvPr/>
         </p:nvPicPr>
         <p:blipFill>
-          <a:blip r:embed="rId5">
+          <a:blip r:embed="rId4">
             <a:alphaModFix/>
           </a:blip>
           <a:stretch>
@@ -47980,7 +47585,7 @@
     <p:bg>
       <p:bgPr>
         <a:blipFill>
-          <a:blip r:embed="rId4">
+          <a:blip r:embed="rId3">
             <a:alphaModFix/>
           </a:blip>
           <a:stretch>
@@ -48068,7 +47673,7 @@
           <p:nvPr/>
         </p:nvPicPr>
         <p:blipFill>
-          <a:blip r:embed="rId5">
+          <a:blip r:embed="rId4">
             <a:alphaModFix/>
           </a:blip>
           <a:stretch>
@@ -53938,6 +53543,285 @@
 </file>
 
 <file path=ppt/theme/theme1.xml><?xml version="1.0" encoding="utf-8"?>
+<a:theme xmlns:a="http://schemas.openxmlformats.org/drawingml/2006/main" xmlns:r="http://schemas.openxmlformats.org/officeDocument/2006/relationships" name="Shift">
+  <a:themeElements>
+    <a:clrScheme name="Shift">
+      <a:dk1>
+        <a:srgbClr val="FFFFFF"/>
+      </a:dk1>
+      <a:lt1>
+        <a:srgbClr val="AF7B51"/>
+      </a:lt1>
+      <a:dk2>
+        <a:srgbClr val="233A44"/>
+      </a:dk2>
+      <a:lt2>
+        <a:srgbClr val="D9D9D9"/>
+      </a:lt2>
+      <a:accent1>
+        <a:srgbClr val="00796B"/>
+      </a:accent1>
+      <a:accent2>
+        <a:srgbClr val="D9563F"/>
+      </a:accent2>
+      <a:accent3>
+        <a:srgbClr val="C4A15A"/>
+      </a:accent3>
+      <a:accent4>
+        <a:srgbClr val="14F597"/>
+      </a:accent4>
+      <a:accent5>
+        <a:srgbClr val="3D4594"/>
+      </a:accent5>
+      <a:accent6>
+        <a:srgbClr val="163EF5"/>
+      </a:accent6>
+      <a:hlink>
+        <a:srgbClr val="3D4594"/>
+      </a:hlink>
+      <a:folHlink>
+        <a:srgbClr val="3D4594"/>
+      </a:folHlink>
+    </a:clrScheme>
+    <a:fontScheme name="Office">
+      <a:majorFont>
+        <a:latin typeface="Arial"/>
+        <a:ea typeface=""/>
+        <a:cs typeface=""/>
+        <a:font script="Jpan" typeface="ＭＳ Ｐゴシック"/>
+        <a:font script="Hang" typeface="맑은 고딕"/>
+        <a:font script="Hans" typeface="宋体"/>
+        <a:font script="Hant" typeface="新細明體"/>
+        <a:font script="Arab" typeface="Times New Roman"/>
+        <a:font script="Hebr" typeface="Times New Roman"/>
+        <a:font script="Thai" typeface="Angsana New"/>
+        <a:font script="Ethi" typeface="Nyala"/>
+        <a:font script="Beng" typeface="Vrinda"/>
+        <a:font script="Gujr" typeface="Shruti"/>
+        <a:font script="Khmr" typeface="MoolBoran"/>
+        <a:font script="Knda" typeface="Tunga"/>
+        <a:font script="Guru" typeface="Raavi"/>
+        <a:font script="Cans" typeface="Euphemia"/>
+        <a:font script="Cher" typeface="Plantagenet Cherokee"/>
+        <a:font script="Yiii" typeface="Microsoft Yi Baiti"/>
+        <a:font script="Tibt" typeface="Microsoft Himalaya"/>
+        <a:font script="Thaa" typeface="MV Boli"/>
+        <a:font script="Deva" typeface="Mangal"/>
+        <a:font script="Telu" typeface="Gautami"/>
+        <a:font script="Taml" typeface="Latha"/>
+        <a:font script="Syrc" typeface="Estrangelo Edessa"/>
+        <a:font script="Orya" typeface="Kalinga"/>
+        <a:font script="Mlym" typeface="Kartika"/>
+        <a:font script="Laoo" typeface="DokChampa"/>
+        <a:font script="Sinh" typeface="Iskoola Pota"/>
+        <a:font script="Mong" typeface="Mongolian Baiti"/>
+        <a:font script="Viet" typeface="Times New Roman"/>
+        <a:font script="Uigh" typeface="Microsoft Uighur"/>
+        <a:font script="Geor" typeface="Sylfaen"/>
+      </a:majorFont>
+      <a:minorFont>
+        <a:latin typeface="Arial"/>
+        <a:ea typeface=""/>
+        <a:cs typeface=""/>
+        <a:font script="Jpan" typeface="ＭＳ Ｐゴシック"/>
+        <a:font script="Hang" typeface="맑은 고딕"/>
+        <a:font script="Hans" typeface="宋体"/>
+        <a:font script="Hant" typeface="新細明體"/>
+        <a:font script="Arab" typeface="Arial"/>
+        <a:font script="Hebr" typeface="Arial"/>
+        <a:font script="Thai" typeface="Cordia New"/>
+        <a:font script="Ethi" typeface="Nyala"/>
+        <a:font script="Beng" typeface="Vrinda"/>
+        <a:font script="Gujr" typeface="Shruti"/>
+        <a:font script="Khmr" typeface="DaunPenh"/>
+        <a:font script="Knda" typeface="Tunga"/>
+        <a:font script="Guru" typeface="Raavi"/>
+        <a:font script="Cans" typeface="Euphemia"/>
+        <a:font script="Cher" typeface="Plantagenet Cherokee"/>
+        <a:font script="Yiii" typeface="Microsoft Yi Baiti"/>
+        <a:font script="Tibt" typeface="Microsoft Himalaya"/>
+        <a:font script="Thaa" typeface="MV Boli"/>
+        <a:font script="Deva" typeface="Mangal"/>
+        <a:font script="Telu" typeface="Gautami"/>
+        <a:font script="Taml" typeface="Latha"/>
+        <a:font script="Syrc" typeface="Estrangelo Edessa"/>
+        <a:font script="Orya" typeface="Kalinga"/>
+        <a:font script="Mlym" typeface="Kartika"/>
+        <a:font script="Laoo" typeface="DokChampa"/>
+        <a:font script="Sinh" typeface="Iskoola Pota"/>
+        <a:font script="Mong" typeface="Mongolian Baiti"/>
+        <a:font script="Viet" typeface="Arial"/>
+        <a:font script="Uigh" typeface="Microsoft Uighur"/>
+        <a:font script="Geor" typeface="Sylfaen"/>
+      </a:minorFont>
+    </a:fontScheme>
+    <a:fmtScheme name="Office">
+      <a:fillStyleLst>
+        <a:solidFill>
+          <a:schemeClr val="phClr"/>
+        </a:solidFill>
+        <a:gradFill rotWithShape="1">
+          <a:gsLst>
+            <a:gs pos="0">
+              <a:schemeClr val="phClr">
+                <a:tint val="50000"/>
+                <a:satMod val="300000"/>
+              </a:schemeClr>
+            </a:gs>
+            <a:gs pos="35000">
+              <a:schemeClr val="phClr">
+                <a:tint val="37000"/>
+                <a:satMod val="300000"/>
+              </a:schemeClr>
+            </a:gs>
+            <a:gs pos="100000">
+              <a:schemeClr val="phClr">
+                <a:tint val="15000"/>
+                <a:satMod val="350000"/>
+              </a:schemeClr>
+            </a:gs>
+          </a:gsLst>
+          <a:lin ang="16200000" scaled="1"/>
+        </a:gradFill>
+        <a:gradFill rotWithShape="1">
+          <a:gsLst>
+            <a:gs pos="0">
+              <a:schemeClr val="phClr">
+                <a:tint val="100000"/>
+                <a:shade val="100000"/>
+                <a:satMod val="130000"/>
+              </a:schemeClr>
+            </a:gs>
+            <a:gs pos="100000">
+              <a:schemeClr val="phClr">
+                <a:tint val="50000"/>
+                <a:shade val="100000"/>
+                <a:satMod val="350000"/>
+              </a:schemeClr>
+            </a:gs>
+          </a:gsLst>
+          <a:lin ang="16200000" scaled="0"/>
+        </a:gradFill>
+      </a:fillStyleLst>
+      <a:lnStyleLst>
+        <a:ln w="9525" cap="flat" cmpd="sng" algn="ctr">
+          <a:solidFill>
+            <a:schemeClr val="phClr">
+              <a:shade val="95000"/>
+              <a:satMod val="105000"/>
+            </a:schemeClr>
+          </a:solidFill>
+          <a:prstDash val="solid"/>
+        </a:ln>
+        <a:ln w="25400" cap="flat" cmpd="sng" algn="ctr">
+          <a:solidFill>
+            <a:schemeClr val="phClr"/>
+          </a:solidFill>
+          <a:prstDash val="solid"/>
+        </a:ln>
+        <a:ln w="38100" cap="flat" cmpd="sng" algn="ctr">
+          <a:solidFill>
+            <a:schemeClr val="phClr"/>
+          </a:solidFill>
+          <a:prstDash val="solid"/>
+        </a:ln>
+      </a:lnStyleLst>
+      <a:effectStyleLst>
+        <a:effectStyle>
+          <a:effectLst>
+            <a:outerShdw blurRad="40000" dist="20000" dir="5400000" rotWithShape="0">
+              <a:srgbClr val="000000">
+                <a:alpha val="38000"/>
+              </a:srgbClr>
+            </a:outerShdw>
+          </a:effectLst>
+        </a:effectStyle>
+        <a:effectStyle>
+          <a:effectLst>
+            <a:outerShdw blurRad="40000" dist="23000" dir="5400000" rotWithShape="0">
+              <a:srgbClr val="000000">
+                <a:alpha val="35000"/>
+              </a:srgbClr>
+            </a:outerShdw>
+          </a:effectLst>
+        </a:effectStyle>
+        <a:effectStyle>
+          <a:effectLst>
+            <a:outerShdw blurRad="40000" dist="23000" dir="5400000" rotWithShape="0">
+              <a:srgbClr val="000000">
+                <a:alpha val="35000"/>
+              </a:srgbClr>
+            </a:outerShdw>
+          </a:effectLst>
+          <a:scene3d>
+            <a:camera prst="orthographicFront">
+              <a:rot lat="0" lon="0" rev="0"/>
+            </a:camera>
+            <a:lightRig rig="threePt" dir="t">
+              <a:rot lat="0" lon="0" rev="1200000"/>
+            </a:lightRig>
+          </a:scene3d>
+          <a:sp3d>
+            <a:bevelT w="63500" h="25400"/>
+          </a:sp3d>
+        </a:effectStyle>
+      </a:effectStyleLst>
+      <a:bgFillStyleLst>
+        <a:solidFill>
+          <a:schemeClr val="phClr"/>
+        </a:solidFill>
+        <a:gradFill rotWithShape="1">
+          <a:gsLst>
+            <a:gs pos="0">
+              <a:schemeClr val="phClr">
+                <a:tint val="40000"/>
+                <a:satMod val="350000"/>
+              </a:schemeClr>
+            </a:gs>
+            <a:gs pos="40000">
+              <a:schemeClr val="phClr">
+                <a:tint val="45000"/>
+                <a:shade val="99000"/>
+                <a:satMod val="350000"/>
+              </a:schemeClr>
+            </a:gs>
+            <a:gs pos="100000">
+              <a:schemeClr val="phClr">
+                <a:shade val="20000"/>
+                <a:satMod val="255000"/>
+              </a:schemeClr>
+            </a:gs>
+          </a:gsLst>
+          <a:path path="circle">
+            <a:fillToRect l="50000" t="-80000" r="50000" b="180000"/>
+          </a:path>
+        </a:gradFill>
+        <a:gradFill rotWithShape="1">
+          <a:gsLst>
+            <a:gs pos="0">
+              <a:schemeClr val="phClr">
+                <a:tint val="80000"/>
+                <a:satMod val="300000"/>
+              </a:schemeClr>
+            </a:gs>
+            <a:gs pos="100000">
+              <a:schemeClr val="phClr">
+                <a:shade val="30000"/>
+                <a:satMod val="200000"/>
+              </a:schemeClr>
+            </a:gs>
+          </a:gsLst>
+          <a:path path="circle">
+            <a:fillToRect l="50000" t="50000" r="50000" b="50000"/>
+          </a:path>
+        </a:gradFill>
+      </a:bgFillStyleLst>
+    </a:fmtScheme>
+  </a:themeElements>
+</a:theme>
+</file>
+
+<file path=ppt/theme/theme2.xml><?xml version="1.0" encoding="utf-8"?>
 <a:theme xmlns:a="http://schemas.openxmlformats.org/drawingml/2006/main" xmlns:r="http://schemas.openxmlformats.org/officeDocument/2006/relationships">
   <a:themeElements>
     <a:clrScheme name="Default">
@@ -54214,283 +54098,4 @@
     </a:fmtScheme>
   </a:themeElements>
 </a:theme>
-</file>
-
-<file path=ppt/theme/theme2.xml><?xml version="1.0" encoding="utf-8"?>
-<a:theme xmlns:a="http://schemas.openxmlformats.org/drawingml/2006/main" xmlns:r="http://schemas.openxmlformats.org/officeDocument/2006/relationships" name="Shift">
-  <a:themeElements>
-    <a:clrScheme name="Shift">
-      <a:dk1>
-        <a:srgbClr val="FFFFFF"/>
-      </a:dk1>
-      <a:lt1>
-        <a:srgbClr val="AF7B51"/>
-      </a:lt1>
-      <a:dk2>
-        <a:srgbClr val="233A44"/>
-      </a:dk2>
-      <a:lt2>
-        <a:srgbClr val="D9D9D9"/>
-      </a:lt2>
-      <a:accent1>
-        <a:srgbClr val="00796B"/>
-      </a:accent1>
-      <a:accent2>
-        <a:srgbClr val="D9563F"/>
-      </a:accent2>
-      <a:accent3>
-        <a:srgbClr val="C4A15A"/>
-      </a:accent3>
-      <a:accent4>
-        <a:srgbClr val="14F597"/>
-      </a:accent4>
-      <a:accent5>
-        <a:srgbClr val="3D4594"/>
-      </a:accent5>
-      <a:accent6>
-        <a:srgbClr val="163EF5"/>
-      </a:accent6>
-      <a:hlink>
-        <a:srgbClr val="3D4594"/>
-      </a:hlink>
-      <a:folHlink>
-        <a:srgbClr val="3D4594"/>
-      </a:folHlink>
-    </a:clrScheme>
-    <a:fontScheme name="Office">
-      <a:majorFont>
-        <a:latin typeface="Arial"/>
-        <a:ea typeface=""/>
-        <a:cs typeface=""/>
-        <a:font script="Jpan" typeface="ＭＳ Ｐゴシック"/>
-        <a:font script="Hang" typeface="맑은 고딕"/>
-        <a:font script="Hans" typeface="宋体"/>
-        <a:font script="Hant" typeface="新細明體"/>
-        <a:font script="Arab" typeface="Times New Roman"/>
-        <a:font script="Hebr" typeface="Times New Roman"/>
-        <a:font script="Thai" typeface="Angsana New"/>
-        <a:font script="Ethi" typeface="Nyala"/>
-        <a:font script="Beng" typeface="Vrinda"/>
-        <a:font script="Gujr" typeface="Shruti"/>
-        <a:font script="Khmr" typeface="MoolBoran"/>
-        <a:font script="Knda" typeface="Tunga"/>
-        <a:font script="Guru" typeface="Raavi"/>
-        <a:font script="Cans" typeface="Euphemia"/>
-        <a:font script="Cher" typeface="Plantagenet Cherokee"/>
-        <a:font script="Yiii" typeface="Microsoft Yi Baiti"/>
-        <a:font script="Tibt" typeface="Microsoft Himalaya"/>
-        <a:font script="Thaa" typeface="MV Boli"/>
-        <a:font script="Deva" typeface="Mangal"/>
-        <a:font script="Telu" typeface="Gautami"/>
-        <a:font script="Taml" typeface="Latha"/>
-        <a:font script="Syrc" typeface="Estrangelo Edessa"/>
-        <a:font script="Orya" typeface="Kalinga"/>
-        <a:font script="Mlym" typeface="Kartika"/>
-        <a:font script="Laoo" typeface="DokChampa"/>
-        <a:font script="Sinh" typeface="Iskoola Pota"/>
-        <a:font script="Mong" typeface="Mongolian Baiti"/>
-        <a:font script="Viet" typeface="Times New Roman"/>
-        <a:font script="Uigh" typeface="Microsoft Uighur"/>
-        <a:font script="Geor" typeface="Sylfaen"/>
-      </a:majorFont>
-      <a:minorFont>
-        <a:latin typeface="Arial"/>
-        <a:ea typeface=""/>
-        <a:cs typeface=""/>
-        <a:font script="Jpan" typeface="ＭＳ Ｐゴシック"/>
-        <a:font script="Hang" typeface="맑은 고딕"/>
-        <a:font script="Hans" typeface="宋体"/>
-        <a:font script="Hant" typeface="新細明體"/>
-        <a:font script="Arab" typeface="Arial"/>
-        <a:font script="Hebr" typeface="Arial"/>
-        <a:font script="Thai" typeface="Cordia New"/>
-        <a:font script="Ethi" typeface="Nyala"/>
-        <a:font script="Beng" typeface="Vrinda"/>
-        <a:font script="Gujr" typeface="Shruti"/>
-        <a:font script="Khmr" typeface="DaunPenh"/>
-        <a:font script="Knda" typeface="Tunga"/>
-        <a:font script="Guru" typeface="Raavi"/>
-        <a:font script="Cans" typeface="Euphemia"/>
-        <a:font script="Cher" typeface="Plantagenet Cherokee"/>
-        <a:font script="Yiii" typeface="Microsoft Yi Baiti"/>
-        <a:font script="Tibt" typeface="Microsoft Himalaya"/>
-        <a:font script="Thaa" typeface="MV Boli"/>
-        <a:font script="Deva" typeface="Mangal"/>
-        <a:font script="Telu" typeface="Gautami"/>
-        <a:font script="Taml" typeface="Latha"/>
-        <a:font script="Syrc" typeface="Estrangelo Edessa"/>
-        <a:font script="Orya" typeface="Kalinga"/>
-        <a:font script="Mlym" typeface="Kartika"/>
-        <a:font script="Laoo" typeface="DokChampa"/>
-        <a:font script="Sinh" typeface="Iskoola Pota"/>
-        <a:font script="Mong" typeface="Mongolian Baiti"/>
-        <a:font script="Viet" typeface="Arial"/>
-        <a:font script="Uigh" typeface="Microsoft Uighur"/>
-        <a:font script="Geor" typeface="Sylfaen"/>
-      </a:minorFont>
-    </a:fontScheme>
-    <a:fmtScheme name="Office">
-      <a:fillStyleLst>
-        <a:solidFill>
-          <a:schemeClr val="phClr"/>
-        </a:solidFill>
-        <a:gradFill rotWithShape="1">
-          <a:gsLst>
-            <a:gs pos="0">
-              <a:schemeClr val="phClr">
-                <a:tint val="50000"/>
-                <a:satMod val="300000"/>
-              </a:schemeClr>
-            </a:gs>
-            <a:gs pos="35000">
-              <a:schemeClr val="phClr">
-                <a:tint val="37000"/>
-                <a:satMod val="300000"/>
-              </a:schemeClr>
-            </a:gs>
-            <a:gs pos="100000">
-              <a:schemeClr val="phClr">
-                <a:tint val="15000"/>
-                <a:satMod val="350000"/>
-              </a:schemeClr>
-            </a:gs>
-          </a:gsLst>
-          <a:lin ang="16200000" scaled="1"/>
-        </a:gradFill>
-        <a:gradFill rotWithShape="1">
-          <a:gsLst>
-            <a:gs pos="0">
-              <a:schemeClr val="phClr">
-                <a:tint val="100000"/>
-                <a:shade val="100000"/>
-                <a:satMod val="130000"/>
-              </a:schemeClr>
-            </a:gs>
-            <a:gs pos="100000">
-              <a:schemeClr val="phClr">
-                <a:tint val="50000"/>
-                <a:shade val="100000"/>
-                <a:satMod val="350000"/>
-              </a:schemeClr>
-            </a:gs>
-          </a:gsLst>
-          <a:lin ang="16200000" scaled="0"/>
-        </a:gradFill>
-      </a:fillStyleLst>
-      <a:lnStyleLst>
-        <a:ln w="9525" cap="flat" cmpd="sng" algn="ctr">
-          <a:solidFill>
-            <a:schemeClr val="phClr">
-              <a:shade val="95000"/>
-              <a:satMod val="105000"/>
-            </a:schemeClr>
-          </a:solidFill>
-          <a:prstDash val="solid"/>
-        </a:ln>
-        <a:ln w="25400" cap="flat" cmpd="sng" algn="ctr">
-          <a:solidFill>
-            <a:schemeClr val="phClr"/>
-          </a:solidFill>
-          <a:prstDash val="solid"/>
-        </a:ln>
-        <a:ln w="38100" cap="flat" cmpd="sng" algn="ctr">
-          <a:solidFill>
-            <a:schemeClr val="phClr"/>
-          </a:solidFill>
-          <a:prstDash val="solid"/>
-        </a:ln>
-      </a:lnStyleLst>
-      <a:effectStyleLst>
-        <a:effectStyle>
-          <a:effectLst>
-            <a:outerShdw blurRad="40000" dist="20000" dir="5400000" rotWithShape="0">
-              <a:srgbClr val="000000">
-                <a:alpha val="38000"/>
-              </a:srgbClr>
-            </a:outerShdw>
-          </a:effectLst>
-        </a:effectStyle>
-        <a:effectStyle>
-          <a:effectLst>
-            <a:outerShdw blurRad="40000" dist="23000" dir="5400000" rotWithShape="0">
-              <a:srgbClr val="000000">
-                <a:alpha val="35000"/>
-              </a:srgbClr>
-            </a:outerShdw>
-          </a:effectLst>
-        </a:effectStyle>
-        <a:effectStyle>
-          <a:effectLst>
-            <a:outerShdw blurRad="40000" dist="23000" dir="5400000" rotWithShape="0">
-              <a:srgbClr val="000000">
-                <a:alpha val="35000"/>
-              </a:srgbClr>
-            </a:outerShdw>
-          </a:effectLst>
-          <a:scene3d>
-            <a:camera prst="orthographicFront">
-              <a:rot lat="0" lon="0" rev="0"/>
-            </a:camera>
-            <a:lightRig rig="threePt" dir="t">
-              <a:rot lat="0" lon="0" rev="1200000"/>
-            </a:lightRig>
-          </a:scene3d>
-          <a:sp3d>
-            <a:bevelT w="63500" h="25400"/>
-          </a:sp3d>
-        </a:effectStyle>
-      </a:effectStyleLst>
-      <a:bgFillStyleLst>
-        <a:solidFill>
-          <a:schemeClr val="phClr"/>
-        </a:solidFill>
-        <a:gradFill rotWithShape="1">
-          <a:gsLst>
-            <a:gs pos="0">
-              <a:schemeClr val="phClr">
-                <a:tint val="40000"/>
-                <a:satMod val="350000"/>
-              </a:schemeClr>
-            </a:gs>
-            <a:gs pos="40000">
-              <a:schemeClr val="phClr">
-                <a:tint val="45000"/>
-                <a:shade val="99000"/>
-                <a:satMod val="350000"/>
-              </a:schemeClr>
-            </a:gs>
-            <a:gs pos="100000">
-              <a:schemeClr val="phClr">
-                <a:shade val="20000"/>
-                <a:satMod val="255000"/>
-              </a:schemeClr>
-            </a:gs>
-          </a:gsLst>
-          <a:path path="circle">
-            <a:fillToRect l="50000" t="-80000" r="50000" b="180000"/>
-          </a:path>
-        </a:gradFill>
-        <a:gradFill rotWithShape="1">
-          <a:gsLst>
-            <a:gs pos="0">
-              <a:schemeClr val="phClr">
-                <a:tint val="80000"/>
-                <a:satMod val="300000"/>
-              </a:schemeClr>
-            </a:gs>
-            <a:gs pos="100000">
-              <a:schemeClr val="phClr">
-                <a:shade val="30000"/>
-                <a:satMod val="200000"/>
-              </a:schemeClr>
-            </a:gs>
-          </a:gsLst>
-          <a:path path="circle">
-            <a:fillToRect l="50000" t="50000" r="50000" b="50000"/>
-          </a:path>
-        </a:gradFill>
-      </a:bgFillStyleLst>
-    </a:fmtScheme>
-  </a:themeElements>
-</a:theme>
 </file>
--- a/Componentes-teoricos/Slide móvil sesion 2 semana 1 .pptx
+++ b/Componentes-teoricos/Slide móvil sesion 2 semana 1 .pptx
@@ -313,7 +313,7 @@
   </p:defaultTextStyle>
   <p:extLst>
     <p:ext uri="http://customooxmlschemas.google.com/">
-      <go:slidesCustomData xmlns:go="http://customooxmlschemas.google.com/" r:id="rId68" roundtripDataSignature="AMtx7miN1coERjIQPnKXgVbxUWBi6ozjNw=="/>
+      <go:slidesCustomData xmlns:go="http://customooxmlschemas.google.com/" r:id="rId68" roundtripDataSignature="AMtx7mhl4d8AWxM5ZhQVniWW+D1xTYB+GQ=="/>
     </p:ext>
   </p:extLst>
 </p:presentation>
@@ -1295,70 +1295,170 @@
             <a:r>
               <a:rPr lang="es" sz="1050">
                 <a:solidFill>
-                  <a:srgbClr val="569CD6"/>
-                </a:solidFill>
-                <a:highlight>
-                  <a:srgbClr val="1E1E1E"/>
-                </a:highlight>
+                  <a:schemeClr val="dk1"/>
+                </a:solidFill>
                 <a:latin typeface="Courier New"/>
                 <a:ea typeface="Courier New"/>
                 <a:cs typeface="Courier New"/>
                 <a:sym typeface="Courier New"/>
               </a:rPr>
-              <a:t>import</a:t>
-            </a:r>
+              <a:t>import 'dart: io';</a:t>
+            </a:r>
+            <a:endParaRPr sz="1050">
+              <a:solidFill>
+                <a:schemeClr val="dk1"/>
+              </a:solidFill>
+              <a:latin typeface="Courier New"/>
+              <a:ea typeface="Courier New"/>
+              <a:cs typeface="Courier New"/>
+              <a:sym typeface="Courier New"/>
+            </a:endParaRPr>
+          </a:p>
+          <a:p>
+            <a:pPr indent="0" lvl="0" marL="0" rtl="0" algn="l">
+              <a:lnSpc>
+                <a:spcPct val="135714"/>
+              </a:lnSpc>
+              <a:spcBef>
+                <a:spcPts val="0"/>
+              </a:spcBef>
+              <a:spcAft>
+                <a:spcPts val="0"/>
+              </a:spcAft>
+              <a:buClr>
+                <a:schemeClr val="dk1"/>
+              </a:buClr>
+              <a:buSzPts val="1100"/>
+              <a:buFont typeface="Arial"/>
+              <a:buNone/>
+            </a:pPr>
+            <a:r>
+              <a:t/>
+            </a:r>
+            <a:endParaRPr sz="1050">
+              <a:solidFill>
+                <a:schemeClr val="dk1"/>
+              </a:solidFill>
+              <a:latin typeface="Courier New"/>
+              <a:ea typeface="Courier New"/>
+              <a:cs typeface="Courier New"/>
+              <a:sym typeface="Courier New"/>
+            </a:endParaRPr>
+          </a:p>
+          <a:p>
+            <a:pPr indent="0" lvl="0" marL="0" rtl="0" algn="l">
+              <a:lnSpc>
+                <a:spcPct val="135714"/>
+              </a:lnSpc>
+              <a:spcBef>
+                <a:spcPts val="0"/>
+              </a:spcBef>
+              <a:spcAft>
+                <a:spcPts val="0"/>
+              </a:spcAft>
+              <a:buClr>
+                <a:schemeClr val="dk1"/>
+              </a:buClr>
+              <a:buSzPts val="1100"/>
+              <a:buFont typeface="Arial"/>
+              <a:buNone/>
+            </a:pPr>
             <a:r>
               <a:rPr lang="es" sz="1050">
                 <a:solidFill>
-                  <a:srgbClr val="D4D4D4"/>
-                </a:solidFill>
-                <a:highlight>
-                  <a:srgbClr val="1E1E1E"/>
-                </a:highlight>
+                  <a:schemeClr val="dk1"/>
+                </a:solidFill>
                 <a:latin typeface="Courier New"/>
                 <a:ea typeface="Courier New"/>
                 <a:cs typeface="Courier New"/>
                 <a:sym typeface="Courier New"/>
               </a:rPr>
-              <a:t> </a:t>
-            </a:r>
+              <a:t>Run Debug void main() {</a:t>
+            </a:r>
+            <a:endParaRPr sz="1050">
+              <a:solidFill>
+                <a:schemeClr val="dk1"/>
+              </a:solidFill>
+              <a:latin typeface="Courier New"/>
+              <a:ea typeface="Courier New"/>
+              <a:cs typeface="Courier New"/>
+              <a:sym typeface="Courier New"/>
+            </a:endParaRPr>
+          </a:p>
+          <a:p>
+            <a:pPr indent="0" lvl="0" marL="0" rtl="0" algn="l">
+              <a:lnSpc>
+                <a:spcPct val="135714"/>
+              </a:lnSpc>
+              <a:spcBef>
+                <a:spcPts val="0"/>
+              </a:spcBef>
+              <a:spcAft>
+                <a:spcPts val="0"/>
+              </a:spcAft>
+              <a:buClr>
+                <a:schemeClr val="dk1"/>
+              </a:buClr>
+              <a:buSzPts val="1100"/>
+              <a:buFont typeface="Arial"/>
+              <a:buNone/>
+            </a:pPr>
             <a:r>
               <a:rPr lang="es" sz="1050">
                 <a:solidFill>
-                  <a:srgbClr val="CE9178"/>
-                </a:solidFill>
-                <a:highlight>
-                  <a:srgbClr val="1E1E1E"/>
-                </a:highlight>
+                  <a:schemeClr val="dk1"/>
+                </a:solidFill>
                 <a:latin typeface="Courier New"/>
                 <a:ea typeface="Courier New"/>
                 <a:cs typeface="Courier New"/>
                 <a:sym typeface="Courier New"/>
               </a:rPr>
-              <a:t>'dart: io'</a:t>
-            </a:r>
+              <a:t>   stdout.writeln("What is your name");</a:t>
+            </a:r>
+            <a:endParaRPr sz="1050">
+              <a:solidFill>
+                <a:schemeClr val="dk1"/>
+              </a:solidFill>
+              <a:latin typeface="Courier New"/>
+              <a:ea typeface="Courier New"/>
+              <a:cs typeface="Courier New"/>
+              <a:sym typeface="Courier New"/>
+            </a:endParaRPr>
+          </a:p>
+          <a:p>
+            <a:pPr indent="0" lvl="0" marL="0" rtl="0" algn="l">
+              <a:lnSpc>
+                <a:spcPct val="135714"/>
+              </a:lnSpc>
+              <a:spcBef>
+                <a:spcPts val="0"/>
+              </a:spcBef>
+              <a:spcAft>
+                <a:spcPts val="0"/>
+              </a:spcAft>
+              <a:buClr>
+                <a:schemeClr val="dk1"/>
+              </a:buClr>
+              <a:buSzPts val="1100"/>
+              <a:buFont typeface="Arial"/>
+              <a:buNone/>
+            </a:pPr>
             <a:r>
               <a:rPr lang="es" sz="1050">
                 <a:solidFill>
-                  <a:srgbClr val="D4D4D4"/>
-                </a:solidFill>
-                <a:highlight>
-                  <a:srgbClr val="1E1E1E"/>
-                </a:highlight>
+                  <a:schemeClr val="dk1"/>
+                </a:solidFill>
                 <a:latin typeface="Courier New"/>
                 <a:ea typeface="Courier New"/>
                 <a:cs typeface="Courier New"/>
                 <a:sym typeface="Courier New"/>
               </a:rPr>
-              <a:t>;</a:t>
+              <a:t>   String name = stdin.readLineSync();</a:t>
             </a:r>
             <a:endParaRPr sz="1050">
               <a:solidFill>
-                <a:srgbClr val="D4D4D4"/>
-              </a:solidFill>
-              <a:highlight>
-                <a:srgbClr val="1E1E1E"/>
-              </a:highlight>
+                <a:schemeClr val="dk1"/>
+              </a:solidFill>
               <a:latin typeface="Courier New"/>
               <a:ea typeface="Courier New"/>
               <a:cs typeface="Courier New"/>
@@ -1384,166 +1484,21 @@
               <a:buNone/>
             </a:pPr>
             <a:r>
-              <a:t/>
-            </a:r>
-            <a:endParaRPr sz="1050">
-              <a:solidFill>
-                <a:srgbClr val="D4D4D4"/>
-              </a:solidFill>
-              <a:highlight>
-                <a:srgbClr val="1E1E1E"/>
-              </a:highlight>
-              <a:latin typeface="Courier New"/>
-              <a:ea typeface="Courier New"/>
-              <a:cs typeface="Courier New"/>
-              <a:sym typeface="Courier New"/>
-            </a:endParaRPr>
-          </a:p>
-          <a:p>
-            <a:pPr indent="0" lvl="0" marL="0" rtl="0" algn="l">
-              <a:lnSpc>
-                <a:spcPct val="135714"/>
-              </a:lnSpc>
-              <a:spcBef>
-                <a:spcPts val="0"/>
-              </a:spcBef>
-              <a:spcAft>
-                <a:spcPts val="0"/>
-              </a:spcAft>
-              <a:buClr>
-                <a:schemeClr val="dk1"/>
-              </a:buClr>
-              <a:buSzPts val="1100"/>
-              <a:buFont typeface="Arial"/>
-              <a:buNone/>
-            </a:pPr>
-            <a:r>
               <a:rPr lang="es" sz="1050">
                 <a:solidFill>
-                  <a:srgbClr val="4EC9B0"/>
-                </a:solidFill>
-                <a:highlight>
-                  <a:srgbClr val="1E1E1E"/>
-                </a:highlight>
+                  <a:schemeClr val="dk1"/>
+                </a:solidFill>
                 <a:latin typeface="Courier New"/>
                 <a:ea typeface="Courier New"/>
                 <a:cs typeface="Courier New"/>
                 <a:sym typeface="Courier New"/>
               </a:rPr>
-              <a:t>Run</a:t>
-            </a:r>
-            <a:r>
-              <a:rPr lang="es" sz="1050">
-                <a:solidFill>
-                  <a:srgbClr val="D4D4D4"/>
-                </a:solidFill>
-                <a:highlight>
-                  <a:srgbClr val="1E1E1E"/>
-                </a:highlight>
-                <a:latin typeface="Courier New"/>
-                <a:ea typeface="Courier New"/>
-                <a:cs typeface="Courier New"/>
-                <a:sym typeface="Courier New"/>
-              </a:rPr>
-              <a:t> </a:t>
-            </a:r>
-            <a:r>
-              <a:rPr lang="es" sz="1050">
-                <a:solidFill>
-                  <a:srgbClr val="4EC9B0"/>
-                </a:solidFill>
-                <a:highlight>
-                  <a:srgbClr val="1E1E1E"/>
-                </a:highlight>
-                <a:latin typeface="Courier New"/>
-                <a:ea typeface="Courier New"/>
-                <a:cs typeface="Courier New"/>
-                <a:sym typeface="Courier New"/>
-              </a:rPr>
-              <a:t>Debug</a:t>
-            </a:r>
-            <a:r>
-              <a:rPr lang="es" sz="1050">
-                <a:solidFill>
-                  <a:srgbClr val="D4D4D4"/>
-                </a:solidFill>
-                <a:highlight>
-                  <a:srgbClr val="1E1E1E"/>
-                </a:highlight>
-                <a:latin typeface="Courier New"/>
-                <a:ea typeface="Courier New"/>
-                <a:cs typeface="Courier New"/>
-                <a:sym typeface="Courier New"/>
-              </a:rPr>
-              <a:t> </a:t>
-            </a:r>
-            <a:r>
-              <a:rPr lang="es" sz="1050">
-                <a:solidFill>
-                  <a:srgbClr val="569CD6"/>
-                </a:solidFill>
-                <a:highlight>
-                  <a:srgbClr val="1E1E1E"/>
-                </a:highlight>
-                <a:latin typeface="Courier New"/>
-                <a:ea typeface="Courier New"/>
-                <a:cs typeface="Courier New"/>
-                <a:sym typeface="Courier New"/>
-              </a:rPr>
-              <a:t>void</a:t>
-            </a:r>
-            <a:r>
-              <a:rPr lang="es" sz="1050">
-                <a:solidFill>
-                  <a:srgbClr val="D4D4D4"/>
-                </a:solidFill>
-                <a:highlight>
-                  <a:srgbClr val="1E1E1E"/>
-                </a:highlight>
-                <a:latin typeface="Courier New"/>
-                <a:ea typeface="Courier New"/>
-                <a:cs typeface="Courier New"/>
-                <a:sym typeface="Courier New"/>
-              </a:rPr>
-              <a:t> </a:t>
-            </a:r>
-            <a:r>
-              <a:rPr lang="es" sz="1050">
-                <a:solidFill>
-                  <a:srgbClr val="DCDCAA"/>
-                </a:solidFill>
-                <a:highlight>
-                  <a:srgbClr val="1E1E1E"/>
-                </a:highlight>
-                <a:latin typeface="Courier New"/>
-                <a:ea typeface="Courier New"/>
-                <a:cs typeface="Courier New"/>
-                <a:sym typeface="Courier New"/>
-              </a:rPr>
-              <a:t>main</a:t>
-            </a:r>
-            <a:r>
-              <a:rPr lang="es" sz="1050">
-                <a:solidFill>
-                  <a:srgbClr val="D4D4D4"/>
-                </a:solidFill>
-                <a:highlight>
-                  <a:srgbClr val="1E1E1E"/>
-                </a:highlight>
-                <a:latin typeface="Courier New"/>
-                <a:ea typeface="Courier New"/>
-                <a:cs typeface="Courier New"/>
-                <a:sym typeface="Courier New"/>
-              </a:rPr>
-              <a:t>() {</a:t>
+              <a:t>   print("Your name is $name");</a:t>
             </a:r>
             <a:endParaRPr sz="1050">
               <a:solidFill>
-                <a:srgbClr val="D4D4D4"/>
-              </a:solidFill>
-              <a:highlight>
-                <a:srgbClr val="1E1E1E"/>
-              </a:highlight>
+                <a:schemeClr val="dk1"/>
+              </a:solidFill>
               <a:latin typeface="Courier New"/>
               <a:ea typeface="Courier New"/>
               <a:cs typeface="Courier New"/>
@@ -1571,359 +1526,8 @@
             <a:r>
               <a:rPr lang="es" sz="1050">
                 <a:solidFill>
-                  <a:srgbClr val="D4D4D4"/>
-                </a:solidFill>
-                <a:highlight>
-                  <a:srgbClr val="1E1E1E"/>
-                </a:highlight>
-                <a:latin typeface="Courier New"/>
-                <a:ea typeface="Courier New"/>
-                <a:cs typeface="Courier New"/>
-                <a:sym typeface="Courier New"/>
-              </a:rPr>
-              <a:t>   stdout.</a:t>
-            </a:r>
-            <a:r>
-              <a:rPr lang="es" sz="1050">
-                <a:solidFill>
-                  <a:srgbClr val="DCDCAA"/>
-                </a:solidFill>
-                <a:highlight>
-                  <a:srgbClr val="1E1E1E"/>
-                </a:highlight>
-                <a:latin typeface="Courier New"/>
-                <a:ea typeface="Courier New"/>
-                <a:cs typeface="Courier New"/>
-                <a:sym typeface="Courier New"/>
-              </a:rPr>
-              <a:t>writeln</a:t>
-            </a:r>
-            <a:r>
-              <a:rPr lang="es" sz="1050">
-                <a:solidFill>
-                  <a:srgbClr val="D4D4D4"/>
-                </a:solidFill>
-                <a:highlight>
-                  <a:srgbClr val="1E1E1E"/>
-                </a:highlight>
-                <a:latin typeface="Courier New"/>
-                <a:ea typeface="Courier New"/>
-                <a:cs typeface="Courier New"/>
-                <a:sym typeface="Courier New"/>
-              </a:rPr>
-              <a:t>(</a:t>
-            </a:r>
-            <a:r>
-              <a:rPr lang="es" sz="1050">
-                <a:solidFill>
-                  <a:srgbClr val="CE9178"/>
-                </a:solidFill>
-                <a:highlight>
-                  <a:srgbClr val="1E1E1E"/>
-                </a:highlight>
-                <a:latin typeface="Courier New"/>
-                <a:ea typeface="Courier New"/>
-                <a:cs typeface="Courier New"/>
-                <a:sym typeface="Courier New"/>
-              </a:rPr>
-              <a:t>"What is your name"</a:t>
-            </a:r>
-            <a:r>
-              <a:rPr lang="es" sz="1050">
-                <a:solidFill>
-                  <a:srgbClr val="D4D4D4"/>
-                </a:solidFill>
-                <a:highlight>
-                  <a:srgbClr val="1E1E1E"/>
-                </a:highlight>
-                <a:latin typeface="Courier New"/>
-                <a:ea typeface="Courier New"/>
-                <a:cs typeface="Courier New"/>
-                <a:sym typeface="Courier New"/>
-              </a:rPr>
-              <a:t>);</a:t>
-            </a:r>
-            <a:endParaRPr sz="1050">
-              <a:solidFill>
-                <a:srgbClr val="D4D4D4"/>
-              </a:solidFill>
-              <a:highlight>
-                <a:srgbClr val="1E1E1E"/>
-              </a:highlight>
-              <a:latin typeface="Courier New"/>
-              <a:ea typeface="Courier New"/>
-              <a:cs typeface="Courier New"/>
-              <a:sym typeface="Courier New"/>
-            </a:endParaRPr>
-          </a:p>
-          <a:p>
-            <a:pPr indent="0" lvl="0" marL="0" rtl="0" algn="l">
-              <a:lnSpc>
-                <a:spcPct val="135714"/>
-              </a:lnSpc>
-              <a:spcBef>
-                <a:spcPts val="0"/>
-              </a:spcBef>
-              <a:spcAft>
-                <a:spcPts val="0"/>
-              </a:spcAft>
-              <a:buClr>
-                <a:schemeClr val="dk1"/>
-              </a:buClr>
-              <a:buSzPts val="1100"/>
-              <a:buFont typeface="Arial"/>
-              <a:buNone/>
-            </a:pPr>
-            <a:r>
-              <a:rPr lang="es" sz="1050">
-                <a:solidFill>
-                  <a:srgbClr val="D4D4D4"/>
-                </a:solidFill>
-                <a:highlight>
-                  <a:srgbClr val="1E1E1E"/>
-                </a:highlight>
-                <a:latin typeface="Courier New"/>
-                <a:ea typeface="Courier New"/>
-                <a:cs typeface="Courier New"/>
-                <a:sym typeface="Courier New"/>
-              </a:rPr>
-              <a:t>   </a:t>
-            </a:r>
-            <a:r>
-              <a:rPr lang="es" sz="1050">
-                <a:solidFill>
-                  <a:srgbClr val="4EC9B0"/>
-                </a:solidFill>
-                <a:highlight>
-                  <a:srgbClr val="1E1E1E"/>
-                </a:highlight>
-                <a:latin typeface="Courier New"/>
-                <a:ea typeface="Courier New"/>
-                <a:cs typeface="Courier New"/>
-                <a:sym typeface="Courier New"/>
-              </a:rPr>
-              <a:t>String</a:t>
-            </a:r>
-            <a:r>
-              <a:rPr lang="es" sz="1050">
-                <a:solidFill>
-                  <a:srgbClr val="D4D4D4"/>
-                </a:solidFill>
-                <a:highlight>
-                  <a:srgbClr val="1E1E1E"/>
-                </a:highlight>
-                <a:latin typeface="Courier New"/>
-                <a:ea typeface="Courier New"/>
-                <a:cs typeface="Courier New"/>
-                <a:sym typeface="Courier New"/>
-              </a:rPr>
-              <a:t> name = stdin.</a:t>
-            </a:r>
-            <a:r>
-              <a:rPr lang="es" sz="1050">
-                <a:solidFill>
-                  <a:srgbClr val="DCDCAA"/>
-                </a:solidFill>
-                <a:highlight>
-                  <a:srgbClr val="1E1E1E"/>
-                </a:highlight>
-                <a:latin typeface="Courier New"/>
-                <a:ea typeface="Courier New"/>
-                <a:cs typeface="Courier New"/>
-                <a:sym typeface="Courier New"/>
-              </a:rPr>
-              <a:t>readLineSync</a:t>
-            </a:r>
-            <a:r>
-              <a:rPr lang="es" sz="1050">
-                <a:solidFill>
-                  <a:srgbClr val="D4D4D4"/>
-                </a:solidFill>
-                <a:highlight>
-                  <a:srgbClr val="1E1E1E"/>
-                </a:highlight>
-                <a:latin typeface="Courier New"/>
-                <a:ea typeface="Courier New"/>
-                <a:cs typeface="Courier New"/>
-                <a:sym typeface="Courier New"/>
-              </a:rPr>
-              <a:t>();</a:t>
-            </a:r>
-            <a:endParaRPr sz="1050">
-              <a:solidFill>
-                <a:srgbClr val="D4D4D4"/>
-              </a:solidFill>
-              <a:highlight>
-                <a:srgbClr val="1E1E1E"/>
-              </a:highlight>
-              <a:latin typeface="Courier New"/>
-              <a:ea typeface="Courier New"/>
-              <a:cs typeface="Courier New"/>
-              <a:sym typeface="Courier New"/>
-            </a:endParaRPr>
-          </a:p>
-          <a:p>
-            <a:pPr indent="0" lvl="0" marL="0" rtl="0" algn="l">
-              <a:lnSpc>
-                <a:spcPct val="135714"/>
-              </a:lnSpc>
-              <a:spcBef>
-                <a:spcPts val="0"/>
-              </a:spcBef>
-              <a:spcAft>
-                <a:spcPts val="0"/>
-              </a:spcAft>
-              <a:buClr>
-                <a:schemeClr val="dk1"/>
-              </a:buClr>
-              <a:buSzPts val="1100"/>
-              <a:buFont typeface="Arial"/>
-              <a:buNone/>
-            </a:pPr>
-            <a:r>
-              <a:rPr lang="es" sz="1050">
-                <a:solidFill>
-                  <a:srgbClr val="D4D4D4"/>
-                </a:solidFill>
-                <a:highlight>
-                  <a:srgbClr val="1E1E1E"/>
-                </a:highlight>
-                <a:latin typeface="Courier New"/>
-                <a:ea typeface="Courier New"/>
-                <a:cs typeface="Courier New"/>
-                <a:sym typeface="Courier New"/>
-              </a:rPr>
-              <a:t>   </a:t>
-            </a:r>
-            <a:r>
-              <a:rPr lang="es" sz="1050">
-                <a:solidFill>
-                  <a:srgbClr val="DCDCAA"/>
-                </a:solidFill>
-                <a:highlight>
-                  <a:srgbClr val="1E1E1E"/>
-                </a:highlight>
-                <a:latin typeface="Courier New"/>
-                <a:ea typeface="Courier New"/>
-                <a:cs typeface="Courier New"/>
-                <a:sym typeface="Courier New"/>
-              </a:rPr>
-              <a:t>print</a:t>
-            </a:r>
-            <a:r>
-              <a:rPr lang="es" sz="1050">
-                <a:solidFill>
-                  <a:srgbClr val="D4D4D4"/>
-                </a:solidFill>
-                <a:highlight>
-                  <a:srgbClr val="1E1E1E"/>
-                </a:highlight>
-                <a:latin typeface="Courier New"/>
-                <a:ea typeface="Courier New"/>
-                <a:cs typeface="Courier New"/>
-                <a:sym typeface="Courier New"/>
-              </a:rPr>
-              <a:t>(</a:t>
-            </a:r>
-            <a:r>
-              <a:rPr lang="es" sz="1050">
-                <a:solidFill>
-                  <a:srgbClr val="CE9178"/>
-                </a:solidFill>
-                <a:highlight>
-                  <a:srgbClr val="1E1E1E"/>
-                </a:highlight>
-                <a:latin typeface="Courier New"/>
-                <a:ea typeface="Courier New"/>
-                <a:cs typeface="Courier New"/>
-                <a:sym typeface="Courier New"/>
-              </a:rPr>
-              <a:t>"Your name is $</a:t>
-            </a:r>
-            <a:r>
-              <a:rPr lang="es" sz="1050">
-                <a:solidFill>
-                  <a:srgbClr val="9CDCFE"/>
-                </a:solidFill>
-                <a:highlight>
-                  <a:srgbClr val="1E1E1E"/>
-                </a:highlight>
-                <a:latin typeface="Courier New"/>
-                <a:ea typeface="Courier New"/>
-                <a:cs typeface="Courier New"/>
-                <a:sym typeface="Courier New"/>
-              </a:rPr>
-              <a:t>name</a:t>
-            </a:r>
-            <a:r>
-              <a:rPr lang="es" sz="1050">
-                <a:solidFill>
-                  <a:srgbClr val="CE9178"/>
-                </a:solidFill>
-                <a:highlight>
-                  <a:srgbClr val="1E1E1E"/>
-                </a:highlight>
-                <a:latin typeface="Courier New"/>
-                <a:ea typeface="Courier New"/>
-                <a:cs typeface="Courier New"/>
-                <a:sym typeface="Courier New"/>
-              </a:rPr>
-              <a:t>"</a:t>
-            </a:r>
-            <a:r>
-              <a:rPr lang="es" sz="1050">
-                <a:solidFill>
-                  <a:srgbClr val="D4D4D4"/>
-                </a:solidFill>
-                <a:highlight>
-                  <a:srgbClr val="1E1E1E"/>
-                </a:highlight>
-                <a:latin typeface="Courier New"/>
-                <a:ea typeface="Courier New"/>
-                <a:cs typeface="Courier New"/>
-                <a:sym typeface="Courier New"/>
-              </a:rPr>
-              <a:t>);</a:t>
-            </a:r>
-            <a:endParaRPr sz="1050">
-              <a:solidFill>
-                <a:srgbClr val="D4D4D4"/>
-              </a:solidFill>
-              <a:highlight>
-                <a:srgbClr val="1E1E1E"/>
-              </a:highlight>
-              <a:latin typeface="Courier New"/>
-              <a:ea typeface="Courier New"/>
-              <a:cs typeface="Courier New"/>
-              <a:sym typeface="Courier New"/>
-            </a:endParaRPr>
-          </a:p>
-          <a:p>
-            <a:pPr indent="0" lvl="0" marL="0" rtl="0" algn="l">
-              <a:lnSpc>
-                <a:spcPct val="135714"/>
-              </a:lnSpc>
-              <a:spcBef>
-                <a:spcPts val="0"/>
-              </a:spcBef>
-              <a:spcAft>
-                <a:spcPts val="0"/>
-              </a:spcAft>
-              <a:buClr>
-                <a:schemeClr val="dk1"/>
-              </a:buClr>
-              <a:buSzPts val="1100"/>
-              <a:buFont typeface="Arial"/>
-              <a:buNone/>
-            </a:pPr>
-            <a:r>
-              <a:rPr lang="es" sz="1050">
-                <a:solidFill>
-                  <a:srgbClr val="D4D4D4"/>
-                </a:solidFill>
-                <a:highlight>
-                  <a:srgbClr val="1E1E1E"/>
-                </a:highlight>
+                  <a:schemeClr val="dk1"/>
+                </a:solidFill>
                 <a:latin typeface="Courier New"/>
                 <a:ea typeface="Courier New"/>
                 <a:cs typeface="Courier New"/>
@@ -1933,11 +1537,8 @@
             </a:r>
             <a:endParaRPr sz="1050">
               <a:solidFill>
-                <a:srgbClr val="D4D4D4"/>
-              </a:solidFill>
-              <a:highlight>
-                <a:srgbClr val="1E1E1E"/>
-              </a:highlight>
+                <a:schemeClr val="dk1"/>
+              </a:solidFill>
               <a:latin typeface="Courier New"/>
               <a:ea typeface="Courier New"/>
               <a:cs typeface="Courier New"/>
@@ -2210,70 +1811,19 @@
             <a:r>
               <a:rPr lang="es" sz="1050">
                 <a:solidFill>
-                  <a:srgbClr val="DCDCAA"/>
-                </a:solidFill>
-                <a:highlight>
-                  <a:srgbClr val="1E1E1E"/>
-                </a:highlight>
+                  <a:schemeClr val="dk1"/>
+                </a:solidFill>
                 <a:latin typeface="Courier New"/>
                 <a:ea typeface="Courier New"/>
                 <a:cs typeface="Courier New"/>
                 <a:sym typeface="Courier New"/>
               </a:rPr>
-              <a:t>square</a:t>
-            </a:r>
-            <a:r>
-              <a:rPr lang="es" sz="1050">
-                <a:solidFill>
-                  <a:srgbClr val="D4D4D4"/>
-                </a:solidFill>
-                <a:highlight>
-                  <a:srgbClr val="1E1E1E"/>
-                </a:highlight>
-                <a:latin typeface="Courier New"/>
-                <a:ea typeface="Courier New"/>
-                <a:cs typeface="Courier New"/>
-                <a:sym typeface="Courier New"/>
-              </a:rPr>
-              <a:t>(</a:t>
-            </a:r>
-            <a:r>
-              <a:rPr lang="es" sz="1050">
-                <a:solidFill>
-                  <a:srgbClr val="569CD6"/>
-                </a:solidFill>
-                <a:highlight>
-                  <a:srgbClr val="1E1E1E"/>
-                </a:highlight>
-                <a:latin typeface="Courier New"/>
-                <a:ea typeface="Courier New"/>
-                <a:cs typeface="Courier New"/>
-                <a:sym typeface="Courier New"/>
-              </a:rPr>
-              <a:t>null</a:t>
-            </a:r>
-            <a:r>
-              <a:rPr lang="es" sz="1050">
-                <a:solidFill>
-                  <a:srgbClr val="D4D4D4"/>
-                </a:solidFill>
-                <a:highlight>
-                  <a:srgbClr val="1E1E1E"/>
-                </a:highlight>
-                <a:latin typeface="Courier New"/>
-                <a:ea typeface="Courier New"/>
-                <a:cs typeface="Courier New"/>
-                <a:sym typeface="Courier New"/>
-              </a:rPr>
-              <a:t>);</a:t>
+              <a:t>square(null);</a:t>
             </a:r>
             <a:endParaRPr sz="1050">
               <a:solidFill>
-                <a:srgbClr val="D4D4D4"/>
-              </a:solidFill>
-              <a:highlight>
-                <a:srgbClr val="1E1E1E"/>
-              </a:highlight>
+                <a:schemeClr val="dk1"/>
+              </a:solidFill>
               <a:latin typeface="Courier New"/>
               <a:ea typeface="Courier New"/>
               <a:cs typeface="Courier New"/>
@@ -2301,11 +1851,8 @@
             <a:r>
               <a:rPr lang="es" sz="1050">
                 <a:solidFill>
-                  <a:srgbClr val="6A9955"/>
-                </a:solidFill>
-                <a:highlight>
-                  <a:srgbClr val="1E1E1E"/>
-                </a:highlight>
+                  <a:schemeClr val="dk1"/>
+                </a:solidFill>
                 <a:latin typeface="Courier New"/>
                 <a:ea typeface="Courier New"/>
                 <a:cs typeface="Courier New"/>
@@ -2315,11 +1862,8 @@
             </a:r>
             <a:endParaRPr sz="1050">
               <a:solidFill>
-                <a:srgbClr val="6A9955"/>
-              </a:solidFill>
-              <a:highlight>
-                <a:srgbClr val="1E1E1E"/>
-              </a:highlight>
+                <a:schemeClr val="dk1"/>
+              </a:solidFill>
               <a:latin typeface="Courier New"/>
               <a:ea typeface="Courier New"/>
               <a:cs typeface="Courier New"/>
@@ -2988,7 +2532,7 @@
                 <a:cs typeface="Courier New"/>
                 <a:sym typeface="Courier New"/>
               </a:rPr>
-              <a:t> int number = n.aNonNullablrInt; // the ? Check it n is null</a:t>
+              <a:t> int number = n.aNonNullableInt; // the ? Check it n is null</a:t>
             </a:r>
             <a:endParaRPr sz="1050">
               <a:solidFill>
@@ -3766,7 +3310,7 @@
                 <a:cs typeface="Courier New"/>
                 <a:sym typeface="Courier New"/>
               </a:rPr>
-              <a:t>class HttResponse {</a:t>
+              <a:t>class HttpResponse {</a:t>
             </a:r>
             <a:endParaRPr sz="1050">
               <a:latin typeface="Courier New"/>
@@ -3868,7 +3412,25 @@
                 <a:cs typeface="Courier New"/>
                 <a:sym typeface="Courier New"/>
               </a:rPr>
-              <a:t> HttpResponse.ok()</a:t>
+              <a:t> </a:t>
+            </a:r>
+            <a:r>
+              <a:rPr lang="es" sz="1050">
+                <a:latin typeface="Courier New"/>
+                <a:ea typeface="Courier New"/>
+                <a:cs typeface="Courier New"/>
+                <a:sym typeface="Courier New"/>
+              </a:rPr>
+              <a:t>HttpResponse</a:t>
+            </a:r>
+            <a:r>
+              <a:rPr lang="es" sz="1050">
+                <a:latin typeface="Courier New"/>
+                <a:ea typeface="Courier New"/>
+                <a:cs typeface="Courier New"/>
+                <a:sym typeface="Courier New"/>
+              </a:rPr>
+              <a:t>.ok()</a:t>
             </a:r>
             <a:endParaRPr sz="1050">
               <a:latin typeface="Courier New"/>
@@ -6033,7 +5595,7 @@
                 <a:cs typeface="Courier New"/>
                 <a:sym typeface="Courier New"/>
               </a:rPr>
-              <a:t>Void printInteger(int aNumber){</a:t>
+              <a:t>void printInteger(int aNumber){</a:t>
             </a:r>
             <a:endParaRPr sz="1050">
               <a:solidFill>
@@ -36427,8 +35989,8 @@
         </p:blipFill>
         <p:spPr>
           <a:xfrm>
-            <a:off x="1168675" y="1828600"/>
-            <a:ext cx="5512713" cy="3012301"/>
+            <a:off x="1408175" y="1902350"/>
+            <a:ext cx="5425650" cy="2862974"/>
           </a:xfrm>
           <a:prstGeom prst="rect">
             <a:avLst/>
@@ -53543,6 +53105,285 @@
 </file>
 
 <file path=ppt/theme/theme1.xml><?xml version="1.0" encoding="utf-8"?>
+<a:theme xmlns:a="http://schemas.openxmlformats.org/drawingml/2006/main" xmlns:r="http://schemas.openxmlformats.org/officeDocument/2006/relationships">
+  <a:themeElements>
+    <a:clrScheme name="Default">
+      <a:dk1>
+        <a:srgbClr val="000000"/>
+      </a:dk1>
+      <a:lt1>
+        <a:srgbClr val="FFFFFF"/>
+      </a:lt1>
+      <a:dk2>
+        <a:srgbClr val="158158"/>
+      </a:dk2>
+      <a:lt2>
+        <a:srgbClr val="F3F3F3"/>
+      </a:lt2>
+      <a:accent1>
+        <a:srgbClr val="058DC7"/>
+      </a:accent1>
+      <a:accent2>
+        <a:srgbClr val="50B432"/>
+      </a:accent2>
+      <a:accent3>
+        <a:srgbClr val="ED561B"/>
+      </a:accent3>
+      <a:accent4>
+        <a:srgbClr val="EDEF00"/>
+      </a:accent4>
+      <a:accent5>
+        <a:srgbClr val="24CBE5"/>
+      </a:accent5>
+      <a:accent6>
+        <a:srgbClr val="64E572"/>
+      </a:accent6>
+      <a:hlink>
+        <a:srgbClr val="2200CC"/>
+      </a:hlink>
+      <a:folHlink>
+        <a:srgbClr val="551A8B"/>
+      </a:folHlink>
+    </a:clrScheme>
+    <a:fontScheme name="Office">
+      <a:majorFont>
+        <a:latin typeface="Arial"/>
+        <a:ea typeface=""/>
+        <a:cs typeface=""/>
+        <a:font script="Jpan" typeface="ＭＳ Ｐゴシック"/>
+        <a:font script="Hang" typeface="맑은 고딕"/>
+        <a:font script="Hans" typeface="宋体"/>
+        <a:font script="Hant" typeface="新細明體"/>
+        <a:font script="Arab" typeface="Times New Roman"/>
+        <a:font script="Hebr" typeface="Times New Roman"/>
+        <a:font script="Thai" typeface="Angsana New"/>
+        <a:font script="Ethi" typeface="Nyala"/>
+        <a:font script="Beng" typeface="Vrinda"/>
+        <a:font script="Gujr" typeface="Shruti"/>
+        <a:font script="Khmr" typeface="MoolBoran"/>
+        <a:font script="Knda" typeface="Tunga"/>
+        <a:font script="Guru" typeface="Raavi"/>
+        <a:font script="Cans" typeface="Euphemia"/>
+        <a:font script="Cher" typeface="Plantagenet Cherokee"/>
+        <a:font script="Yiii" typeface="Microsoft Yi Baiti"/>
+        <a:font script="Tibt" typeface="Microsoft Himalaya"/>
+        <a:font script="Thaa" typeface="MV Boli"/>
+        <a:font script="Deva" typeface="Mangal"/>
+        <a:font script="Telu" typeface="Gautami"/>
+        <a:font script="Taml" typeface="Latha"/>
+        <a:font script="Syrc" typeface="Estrangelo Edessa"/>
+        <a:font script="Orya" typeface="Kalinga"/>
+        <a:font script="Mlym" typeface="Kartika"/>
+        <a:font script="Laoo" typeface="DokChampa"/>
+        <a:font script="Sinh" typeface="Iskoola Pota"/>
+        <a:font script="Mong" typeface="Mongolian Baiti"/>
+        <a:font script="Viet" typeface="Times New Roman"/>
+        <a:font script="Uigh" typeface="Microsoft Uighur"/>
+        <a:font script="Geor" typeface="Sylfaen"/>
+      </a:majorFont>
+      <a:minorFont>
+        <a:latin typeface="Arial"/>
+        <a:ea typeface=""/>
+        <a:cs typeface=""/>
+        <a:font script="Jpan" typeface="ＭＳ Ｐゴシック"/>
+        <a:font script="Hang" typeface="맑은 고딕"/>
+        <a:font script="Hans" typeface="宋体"/>
+        <a:font script="Hant" typeface="新細明體"/>
+        <a:font script="Arab" typeface="Arial"/>
+        <a:font script="Hebr" typeface="Arial"/>
+        <a:font script="Thai" typeface="Cordia New"/>
+        <a:font script="Ethi" typeface="Nyala"/>
+        <a:font script="Beng" typeface="Vrinda"/>
+        <a:font script="Gujr" typeface="Shruti"/>
+        <a:font script="Khmr" typeface="DaunPenh"/>
+        <a:font script="Knda" typeface="Tunga"/>
+        <a:font script="Guru" typeface="Raavi"/>
+        <a:font script="Cans" typeface="Euphemia"/>
+        <a:font script="Cher" typeface="Plantagenet Cherokee"/>
+        <a:font script="Yiii" typeface="Microsoft Yi Baiti"/>
+        <a:font script="Tibt" typeface="Microsoft Himalaya"/>
+        <a:font script="Thaa" typeface="MV Boli"/>
+        <a:font script="Deva" typeface="Mangal"/>
+        <a:font script="Telu" typeface="Gautami"/>
+        <a:font script="Taml" typeface="Latha"/>
+        <a:font script="Syrc" typeface="Estrangelo Edessa"/>
+        <a:font script="Orya" typeface="Kalinga"/>
+        <a:font script="Mlym" typeface="Kartika"/>
+        <a:font script="Laoo" typeface="DokChampa"/>
+        <a:font script="Sinh" typeface="Iskoola Pota"/>
+        <a:font script="Mong" typeface="Mongolian Baiti"/>
+        <a:font script="Viet" typeface="Arial"/>
+        <a:font script="Uigh" typeface="Microsoft Uighur"/>
+        <a:font script="Geor" typeface="Sylfaen"/>
+      </a:minorFont>
+    </a:fontScheme>
+    <a:fmtScheme name="Office">
+      <a:fillStyleLst>
+        <a:solidFill>
+          <a:schemeClr val="phClr"/>
+        </a:solidFill>
+        <a:gradFill rotWithShape="1">
+          <a:gsLst>
+            <a:gs pos="0">
+              <a:schemeClr val="phClr">
+                <a:tint val="50000"/>
+                <a:satMod val="300000"/>
+              </a:schemeClr>
+            </a:gs>
+            <a:gs pos="35000">
+              <a:schemeClr val="phClr">
+                <a:tint val="37000"/>
+                <a:satMod val="300000"/>
+              </a:schemeClr>
+            </a:gs>
+            <a:gs pos="100000">
+              <a:schemeClr val="phClr">
+                <a:tint val="15000"/>
+                <a:satMod val="350000"/>
+              </a:schemeClr>
+            </a:gs>
+          </a:gsLst>
+          <a:lin ang="16200000" scaled="1"/>
+        </a:gradFill>
+        <a:gradFill rotWithShape="1">
+          <a:gsLst>
+            <a:gs pos="0">
+              <a:schemeClr val="phClr">
+                <a:tint val="100000"/>
+                <a:shade val="100000"/>
+                <a:satMod val="130000"/>
+              </a:schemeClr>
+            </a:gs>
+            <a:gs pos="100000">
+              <a:schemeClr val="phClr">
+                <a:tint val="50000"/>
+                <a:shade val="100000"/>
+                <a:satMod val="350000"/>
+              </a:schemeClr>
+            </a:gs>
+          </a:gsLst>
+          <a:lin ang="16200000" scaled="0"/>
+        </a:gradFill>
+      </a:fillStyleLst>
+      <a:lnStyleLst>
+        <a:ln w="9525" cap="flat" cmpd="sng" algn="ctr">
+          <a:solidFill>
+            <a:schemeClr val="phClr">
+              <a:shade val="95000"/>
+              <a:satMod val="105000"/>
+            </a:schemeClr>
+          </a:solidFill>
+          <a:prstDash val="solid"/>
+        </a:ln>
+        <a:ln w="25400" cap="flat" cmpd="sng" algn="ctr">
+          <a:solidFill>
+            <a:schemeClr val="phClr"/>
+          </a:solidFill>
+          <a:prstDash val="solid"/>
+        </a:ln>
+        <a:ln w="38100" cap="flat" cmpd="sng" algn="ctr">
+          <a:solidFill>
+            <a:schemeClr val="phClr"/>
+          </a:solidFill>
+          <a:prstDash val="solid"/>
+        </a:ln>
+      </a:lnStyleLst>
+      <a:effectStyleLst>
+        <a:effectStyle>
+          <a:effectLst>
+            <a:outerShdw blurRad="40000" dist="20000" dir="5400000" rotWithShape="0">
+              <a:srgbClr val="000000">
+                <a:alpha val="38000"/>
+              </a:srgbClr>
+            </a:outerShdw>
+          </a:effectLst>
+        </a:effectStyle>
+        <a:effectStyle>
+          <a:effectLst>
+            <a:outerShdw blurRad="40000" dist="23000" dir="5400000" rotWithShape="0">
+              <a:srgbClr val="000000">
+                <a:alpha val="35000"/>
+              </a:srgbClr>
+            </a:outerShdw>
+          </a:effectLst>
+        </a:effectStyle>
+        <a:effectStyle>
+          <a:effectLst>
+            <a:outerShdw blurRad="40000" dist="23000" dir="5400000" rotWithShape="0">
+              <a:srgbClr val="000000">
+                <a:alpha val="35000"/>
+              </a:srgbClr>
+            </a:outerShdw>
+          </a:effectLst>
+          <a:scene3d>
+            <a:camera prst="orthographicFront">
+              <a:rot lat="0" lon="0" rev="0"/>
+            </a:camera>
+            <a:lightRig rig="threePt" dir="t">
+              <a:rot lat="0" lon="0" rev="1200000"/>
+            </a:lightRig>
+          </a:scene3d>
+          <a:sp3d>
+            <a:bevelT w="63500" h="25400"/>
+          </a:sp3d>
+        </a:effectStyle>
+      </a:effectStyleLst>
+      <a:bgFillStyleLst>
+        <a:solidFill>
+          <a:schemeClr val="phClr"/>
+        </a:solidFill>
+        <a:gradFill rotWithShape="1">
+          <a:gsLst>
+            <a:gs pos="0">
+              <a:schemeClr val="phClr">
+                <a:tint val="40000"/>
+                <a:satMod val="350000"/>
+              </a:schemeClr>
+            </a:gs>
+            <a:gs pos="40000">
+              <a:schemeClr val="phClr">
+                <a:tint val="45000"/>
+                <a:shade val="99000"/>
+                <a:satMod val="350000"/>
+              </a:schemeClr>
+            </a:gs>
+            <a:gs pos="100000">
+              <a:schemeClr val="phClr">
+                <a:shade val="20000"/>
+                <a:satMod val="255000"/>
+              </a:schemeClr>
+            </a:gs>
+          </a:gsLst>
+          <a:path path="circle">
+            <a:fillToRect l="50000" t="-80000" r="50000" b="180000"/>
+          </a:path>
+        </a:gradFill>
+        <a:gradFill rotWithShape="1">
+          <a:gsLst>
+            <a:gs pos="0">
+              <a:schemeClr val="phClr">
+                <a:tint val="80000"/>
+                <a:satMod val="300000"/>
+              </a:schemeClr>
+            </a:gs>
+            <a:gs pos="100000">
+              <a:schemeClr val="phClr">
+                <a:shade val="30000"/>
+                <a:satMod val="200000"/>
+              </a:schemeClr>
+            </a:gs>
+          </a:gsLst>
+          <a:path path="circle">
+            <a:fillToRect l="50000" t="50000" r="50000" b="50000"/>
+          </a:path>
+        </a:gradFill>
+      </a:bgFillStyleLst>
+    </a:fmtScheme>
+  </a:themeElements>
+</a:theme>
+</file>
+
+<file path=ppt/theme/theme2.xml><?xml version="1.0" encoding="utf-8"?>
 <a:theme xmlns:a="http://schemas.openxmlformats.org/drawingml/2006/main" xmlns:r="http://schemas.openxmlformats.org/officeDocument/2006/relationships" name="Shift">
   <a:themeElements>
     <a:clrScheme name="Shift">
@@ -53819,283 +53660,4 @@
     </a:fmtScheme>
   </a:themeElements>
 </a:theme>
-</file>
-
-<file path=ppt/theme/theme2.xml><?xml version="1.0" encoding="utf-8"?>
-<a:theme xmlns:a="http://schemas.openxmlformats.org/drawingml/2006/main" xmlns:r="http://schemas.openxmlformats.org/officeDocument/2006/relationships">
-  <a:themeElements>
-    <a:clrScheme name="Default">
-      <a:dk1>
-        <a:srgbClr val="000000"/>
-      </a:dk1>
-      <a:lt1>
-        <a:srgbClr val="FFFFFF"/>
-      </a:lt1>
-      <a:dk2>
-        <a:srgbClr val="158158"/>
-      </a:dk2>
-      <a:lt2>
-        <a:srgbClr val="F3F3F3"/>
-      </a:lt2>
-      <a:accent1>
-        <a:srgbClr val="058DC7"/>
-      </a:accent1>
-      <a:accent2>
-        <a:srgbClr val="50B432"/>
-      </a:accent2>
-      <a:accent3>
-        <a:srgbClr val="ED561B"/>
-      </a:accent3>
-      <a:accent4>
-        <a:srgbClr val="EDEF00"/>
-      </a:accent4>
-      <a:accent5>
-        <a:srgbClr val="24CBE5"/>
-      </a:accent5>
-      <a:accent6>
-        <a:srgbClr val="64E572"/>
-      </a:accent6>
-      <a:hlink>
-        <a:srgbClr val="2200CC"/>
-      </a:hlink>
-      <a:folHlink>
-        <a:srgbClr val="551A8B"/>
-      </a:folHlink>
-    </a:clrScheme>
-    <a:fontScheme name="Office">
-      <a:majorFont>
-        <a:latin typeface="Arial"/>
-        <a:ea typeface=""/>
-        <a:cs typeface=""/>
-        <a:font script="Jpan" typeface="ＭＳ Ｐゴシック"/>
-        <a:font script="Hang" typeface="맑은 고딕"/>
-        <a:font script="Hans" typeface="宋体"/>
-        <a:font script="Hant" typeface="新細明體"/>
-        <a:font script="Arab" typeface="Times New Roman"/>
-        <a:font script="Hebr" typeface="Times New Roman"/>
-        <a:font script="Thai" typeface="Angsana New"/>
-        <a:font script="Ethi" typeface="Nyala"/>
-        <a:font script="Beng" typeface="Vrinda"/>
-        <a:font script="Gujr" typeface="Shruti"/>
-        <a:font script="Khmr" typeface="MoolBoran"/>
-        <a:font script="Knda" typeface="Tunga"/>
-        <a:font script="Guru" typeface="Raavi"/>
-        <a:font script="Cans" typeface="Euphemia"/>
-        <a:font script="Cher" typeface="Plantagenet Cherokee"/>
-        <a:font script="Yiii" typeface="Microsoft Yi Baiti"/>
-        <a:font script="Tibt" typeface="Microsoft Himalaya"/>
-        <a:font script="Thaa" typeface="MV Boli"/>
-        <a:font script="Deva" typeface="Mangal"/>
-        <a:font script="Telu" typeface="Gautami"/>
-        <a:font script="Taml" typeface="Latha"/>
-        <a:font script="Syrc" typeface="Estrangelo Edessa"/>
-        <a:font script="Orya" typeface="Kalinga"/>
-        <a:font script="Mlym" typeface="Kartika"/>
-        <a:font script="Laoo" typeface="DokChampa"/>
-        <a:font script="Sinh" typeface="Iskoola Pota"/>
-        <a:font script="Mong" typeface="Mongolian Baiti"/>
-        <a:font script="Viet" typeface="Times New Roman"/>
-        <a:font script="Uigh" typeface="Microsoft Uighur"/>
-        <a:font script="Geor" typeface="Sylfaen"/>
-      </a:majorFont>
-      <a:minorFont>
-        <a:latin typeface="Arial"/>
-        <a:ea typeface=""/>
-        <a:cs typeface=""/>
-        <a:font script="Jpan" typeface="ＭＳ Ｐゴシック"/>
-        <a:font script="Hang" typeface="맑은 고딕"/>
-        <a:font script="Hans" typeface="宋体"/>
-        <a:font script="Hant" typeface="新細明體"/>
-        <a:font script="Arab" typeface="Arial"/>
-        <a:font script="Hebr" typeface="Arial"/>
-        <a:font script="Thai" typeface="Cordia New"/>
-        <a:font script="Ethi" typeface="Nyala"/>
-        <a:font script="Beng" typeface="Vrinda"/>
-        <a:font script="Gujr" typeface="Shruti"/>
-        <a:font script="Khmr" typeface="DaunPenh"/>
-        <a:font script="Knda" typeface="Tunga"/>
-        <a:font script="Guru" typeface="Raavi"/>
-        <a:font script="Cans" typeface="Euphemia"/>
-        <a:font script="Cher" typeface="Plantagenet Cherokee"/>
-        <a:font script="Yiii" typeface="Microsoft Yi Baiti"/>
-        <a:font script="Tibt" typeface="Microsoft Himalaya"/>
-        <a:font script="Thaa" typeface="MV Boli"/>
-        <a:font script="Deva" typeface="Mangal"/>
-        <a:font script="Telu" typeface="Gautami"/>
-        <a:font script="Taml" typeface="Latha"/>
-        <a:font script="Syrc" typeface="Estrangelo Edessa"/>
-        <a:font script="Orya" typeface="Kalinga"/>
-        <a:font script="Mlym" typeface="Kartika"/>
-        <a:font script="Laoo" typeface="DokChampa"/>
-        <a:font script="Sinh" typeface="Iskoola Pota"/>
-        <a:font script="Mong" typeface="Mongolian Baiti"/>
-        <a:font script="Viet" typeface="Arial"/>
-        <a:font script="Uigh" typeface="Microsoft Uighur"/>
-        <a:font script="Geor" typeface="Sylfaen"/>
-      </a:minorFont>
-    </a:fontScheme>
-    <a:fmtScheme name="Office">
-      <a:fillStyleLst>
-        <a:solidFill>
-          <a:schemeClr val="phClr"/>
-        </a:solidFill>
-        <a:gradFill rotWithShape="1">
-          <a:gsLst>
-            <a:gs pos="0">
-              <a:schemeClr val="phClr">
-                <a:tint val="50000"/>
-                <a:satMod val="300000"/>
-              </a:schemeClr>
-            </a:gs>
-            <a:gs pos="35000">
-              <a:schemeClr val="phClr">
-                <a:tint val="37000"/>
-                <a:satMod val="300000"/>
-              </a:schemeClr>
-            </a:gs>
-            <a:gs pos="100000">
-              <a:schemeClr val="phClr">
-                <a:tint val="15000"/>
-                <a:satMod val="350000"/>
-              </a:schemeClr>
-            </a:gs>
-          </a:gsLst>
-          <a:lin ang="16200000" scaled="1"/>
-        </a:gradFill>
-        <a:gradFill rotWithShape="1">
-          <a:gsLst>
-            <a:gs pos="0">
-              <a:schemeClr val="phClr">
-                <a:tint val="100000"/>
-                <a:shade val="100000"/>
-                <a:satMod val="130000"/>
-              </a:schemeClr>
-            </a:gs>
-            <a:gs pos="100000">
-              <a:schemeClr val="phClr">
-                <a:tint val="50000"/>
-                <a:shade val="100000"/>
-                <a:satMod val="350000"/>
-              </a:schemeClr>
-            </a:gs>
-          </a:gsLst>
-          <a:lin ang="16200000" scaled="0"/>
-        </a:gradFill>
-      </a:fillStyleLst>
-      <a:lnStyleLst>
-        <a:ln w="9525" cap="flat" cmpd="sng" algn="ctr">
-          <a:solidFill>
-            <a:schemeClr val="phClr">
-              <a:shade val="95000"/>
-              <a:satMod val="105000"/>
-            </a:schemeClr>
-          </a:solidFill>
-          <a:prstDash val="solid"/>
-        </a:ln>
-        <a:ln w="25400" cap="flat" cmpd="sng" algn="ctr">
-          <a:solidFill>
-            <a:schemeClr val="phClr"/>
-          </a:solidFill>
-          <a:prstDash val="solid"/>
-        </a:ln>
-        <a:ln w="38100" cap="flat" cmpd="sng" algn="ctr">
-          <a:solidFill>
-            <a:schemeClr val="phClr"/>
-          </a:solidFill>
-          <a:prstDash val="solid"/>
-        </a:ln>
-      </a:lnStyleLst>
-      <a:effectStyleLst>
-        <a:effectStyle>
-          <a:effectLst>
-            <a:outerShdw blurRad="40000" dist="20000" dir="5400000" rotWithShape="0">
-              <a:srgbClr val="000000">
-                <a:alpha val="38000"/>
-              </a:srgbClr>
-            </a:outerShdw>
-          </a:effectLst>
-        </a:effectStyle>
-        <a:effectStyle>
-          <a:effectLst>
-            <a:outerShdw blurRad="40000" dist="23000" dir="5400000" rotWithShape="0">
-              <a:srgbClr val="000000">
-                <a:alpha val="35000"/>
-              </a:srgbClr>
-            </a:outerShdw>
-          </a:effectLst>
-        </a:effectStyle>
-        <a:effectStyle>
-          <a:effectLst>
-            <a:outerShdw blurRad="40000" dist="23000" dir="5400000" rotWithShape="0">
-              <a:srgbClr val="000000">
-                <a:alpha val="35000"/>
-              </a:srgbClr>
-            </a:outerShdw>
-          </a:effectLst>
-          <a:scene3d>
-            <a:camera prst="orthographicFront">
-              <a:rot lat="0" lon="0" rev="0"/>
-            </a:camera>
-            <a:lightRig rig="threePt" dir="t">
-              <a:rot lat="0" lon="0" rev="1200000"/>
-            </a:lightRig>
-          </a:scene3d>
-          <a:sp3d>
-            <a:bevelT w="63500" h="25400"/>
-          </a:sp3d>
-        </a:effectStyle>
-      </a:effectStyleLst>
-      <a:bgFillStyleLst>
-        <a:solidFill>
-          <a:schemeClr val="phClr"/>
-        </a:solidFill>
-        <a:gradFill rotWithShape="1">
-          <a:gsLst>
-            <a:gs pos="0">
-              <a:schemeClr val="phClr">
-                <a:tint val="40000"/>
-                <a:satMod val="350000"/>
-              </a:schemeClr>
-            </a:gs>
-            <a:gs pos="40000">
-              <a:schemeClr val="phClr">
-                <a:tint val="45000"/>
-                <a:shade val="99000"/>
-                <a:satMod val="350000"/>
-              </a:schemeClr>
-            </a:gs>
-            <a:gs pos="100000">
-              <a:schemeClr val="phClr">
-                <a:shade val="20000"/>
-                <a:satMod val="255000"/>
-              </a:schemeClr>
-            </a:gs>
-          </a:gsLst>
-          <a:path path="circle">
-            <a:fillToRect l="50000" t="-80000" r="50000" b="180000"/>
-          </a:path>
-        </a:gradFill>
-        <a:gradFill rotWithShape="1">
-          <a:gsLst>
-            <a:gs pos="0">
-              <a:schemeClr val="phClr">
-                <a:tint val="80000"/>
-                <a:satMod val="300000"/>
-              </a:schemeClr>
-            </a:gs>
-            <a:gs pos="100000">
-              <a:schemeClr val="phClr">
-                <a:shade val="30000"/>
-                <a:satMod val="200000"/>
-              </a:schemeClr>
-            </a:gs>
-          </a:gsLst>
-          <a:path path="circle">
-            <a:fillToRect l="50000" t="50000" r="50000" b="50000"/>
-          </a:path>
-        </a:gradFill>
-      </a:bgFillStyleLst>
-    </a:fmtScheme>
-  </a:themeElements>
-</a:theme>
 </file>